--- a/시간의 마녀_데모맵 기획.pptx
+++ b/시간의 마녀_데모맵 기획.pptx
@@ -10,6 +10,10 @@
     <p:sldId id="258" r:id="rId4"/>
     <p:sldId id="259" r:id="rId5"/>
     <p:sldId id="260" r:id="rId6"/>
+    <p:sldId id="261" r:id="rId7"/>
+    <p:sldId id="262" r:id="rId8"/>
+    <p:sldId id="263" r:id="rId9"/>
+    <p:sldId id="264" r:id="rId10"/>
   </p:sldIdLst>
   <p:sldSz cx="12192000" cy="6858000"/>
   <p:notesSz cx="6858000" cy="9144000"/>
@@ -108,6 +112,11 @@
       </a:defRPr>
     </a:lvl9pPr>
   </p:defaultTextStyle>
+  <p:extLst>
+    <p:ext uri="{EFAFB233-063F-42B5-8137-9DF3F51BA10A}">
+      <p15:sldGuideLst xmlns:p15="http://schemas.microsoft.com/office/powerpoint/2012/main"/>
+    </p:ext>
+  </p:extLst>
 </p:presentation>
 </file>
 
@@ -3353,7 +3362,15 @@
             </a:r>
             <a:r>
               <a:rPr lang="ko-KR" altLang="en-US" dirty="0" smtClean="0"/>
-              <a:t>구역</a:t>
+              <a:t>구역 </a:t>
+            </a:r>
+            <a:r>
+              <a:rPr lang="en-US" altLang="ko-KR" dirty="0" smtClean="0"/>
+              <a:t>– </a:t>
+            </a:r>
+            <a:r>
+              <a:rPr lang="ko-KR" altLang="en-US" dirty="0" smtClean="0"/>
+              <a:t>튜토리얼 구역</a:t>
             </a:r>
             <a:endParaRPr lang="en-US" altLang="ko-KR" dirty="0" smtClean="0"/>
           </a:p>
@@ -3364,7 +3381,15 @@
             </a:r>
             <a:r>
               <a:rPr lang="ko-KR" altLang="en-US" dirty="0" smtClean="0"/>
-              <a:t>구역</a:t>
+              <a:t>구역 </a:t>
+            </a:r>
+            <a:r>
+              <a:rPr lang="en-US" altLang="ko-KR" dirty="0" smtClean="0"/>
+              <a:t>– </a:t>
+            </a:r>
+            <a:r>
+              <a:rPr lang="ko-KR" altLang="en-US" dirty="0" smtClean="0"/>
+              <a:t>시간 마법 구역</a:t>
             </a:r>
             <a:endParaRPr lang="en-US" altLang="ko-KR" dirty="0" smtClean="0"/>
           </a:p>
@@ -3375,7 +3400,15 @@
             </a:r>
             <a:r>
               <a:rPr lang="ko-KR" altLang="en-US" dirty="0" smtClean="0"/>
-              <a:t>구역</a:t>
+              <a:t>구역 </a:t>
+            </a:r>
+            <a:r>
+              <a:rPr lang="en-US" altLang="ko-KR" dirty="0" smtClean="0"/>
+              <a:t>– </a:t>
+            </a:r>
+            <a:r>
+              <a:rPr lang="ko-KR" altLang="en-US" dirty="0" smtClean="0"/>
+              <a:t>몬스터 구역</a:t>
             </a:r>
             <a:endParaRPr lang="en-US" altLang="ko-KR" dirty="0" smtClean="0"/>
           </a:p>
@@ -3386,7 +3419,15 @@
             </a:r>
             <a:r>
               <a:rPr lang="ko-KR" altLang="en-US" dirty="0" smtClean="0"/>
-              <a:t>구역</a:t>
+              <a:t>구역 </a:t>
+            </a:r>
+            <a:r>
+              <a:rPr lang="en-US" altLang="ko-KR" dirty="0" smtClean="0"/>
+              <a:t>– </a:t>
+            </a:r>
+            <a:r>
+              <a:rPr lang="ko-KR" altLang="en-US" dirty="0" smtClean="0"/>
+              <a:t>퍼즐 구역</a:t>
             </a:r>
             <a:endParaRPr lang="en-US" altLang="ko-KR" dirty="0" smtClean="0"/>
           </a:p>
@@ -3401,7 +3442,15 @@
             </a:r>
             <a:r>
               <a:rPr lang="ko-KR" altLang="en-US" dirty="0" smtClean="0"/>
-              <a:t>구역</a:t>
+              <a:t>구역 </a:t>
+            </a:r>
+            <a:r>
+              <a:rPr lang="en-US" altLang="ko-KR" dirty="0" smtClean="0"/>
+              <a:t>– </a:t>
+            </a:r>
+            <a:r>
+              <a:rPr lang="ko-KR" altLang="en-US" dirty="0" smtClean="0"/>
+              <a:t>융합 구역</a:t>
             </a:r>
             <a:endParaRPr lang="en-US" altLang="ko-KR" dirty="0" smtClean="0"/>
           </a:p>
@@ -3480,38 +3529,139 @@
           <a:lstStyle/>
           <a:p>
             <a:r>
-              <a:rPr lang="ko-KR" altLang="en-US" dirty="0" smtClean="0"/>
+              <a:rPr lang="ko-KR" altLang="en-US" sz="2400" dirty="0" smtClean="0"/>
               <a:t>소모 예정 시간 </a:t>
             </a:r>
             <a:r>
-              <a:rPr lang="en-US" altLang="ko-KR" dirty="0" smtClean="0"/>
-              <a:t>- 5</a:t>
-            </a:r>
-            <a:r>
-              <a:rPr lang="ko-KR" altLang="en-US" dirty="0" smtClean="0"/>
+              <a:rPr lang="en-US" altLang="ko-KR" sz="2400" dirty="0" smtClean="0"/>
+              <a:t>- </a:t>
+            </a:r>
+            <a:r>
+              <a:rPr lang="en-US" altLang="ko-KR" sz="2400" dirty="0" smtClean="0"/>
+              <a:t>3</a:t>
+            </a:r>
+            <a:r>
+              <a:rPr lang="ko-KR" altLang="en-US" sz="2400" dirty="0" smtClean="0"/>
               <a:t>분</a:t>
             </a:r>
-            <a:endParaRPr lang="en-US" altLang="ko-KR" dirty="0"/>
-          </a:p>
-          <a:p>
-            <a:r>
-              <a:rPr lang="ko-KR" altLang="en-US" dirty="0" smtClean="0"/>
+            <a:endParaRPr lang="en-US" altLang="ko-KR" sz="2400" dirty="0"/>
+          </a:p>
+          <a:p>
+            <a:r>
+              <a:rPr lang="ko-KR" altLang="en-US" sz="2400" dirty="0" smtClean="0"/>
               <a:t>메인 테마 </a:t>
             </a:r>
             <a:r>
-              <a:rPr lang="en-US" altLang="ko-KR" dirty="0" smtClean="0"/>
+              <a:rPr lang="en-US" altLang="ko-KR" sz="2400" dirty="0" smtClean="0"/>
               <a:t>– </a:t>
             </a:r>
-          </a:p>
-          <a:p>
-            <a:r>
-              <a:rPr lang="ko-KR" altLang="en-US" dirty="0" smtClean="0"/>
+            <a:r>
+              <a:rPr lang="ko-KR" altLang="en-US" sz="2400" dirty="0" smtClean="0"/>
+              <a:t>초원</a:t>
+            </a:r>
+            <a:r>
+              <a:rPr lang="en-US" altLang="ko-KR" sz="2400" dirty="0" smtClean="0"/>
+              <a:t>, </a:t>
+            </a:r>
+            <a:r>
+              <a:rPr lang="ko-KR" altLang="en-US" sz="2400" dirty="0" smtClean="0"/>
+              <a:t>숲</a:t>
+            </a:r>
+            <a:r>
+              <a:rPr lang="ko-KR" altLang="en-US" sz="2400" dirty="0" smtClean="0"/>
+              <a:t> 입구</a:t>
+            </a:r>
+            <a:endParaRPr lang="en-US" altLang="ko-KR" sz="2400" dirty="0" smtClean="0"/>
+          </a:p>
+          <a:p>
+            <a:r>
+              <a:rPr lang="ko-KR" altLang="en-US" sz="2400" dirty="0" smtClean="0"/>
               <a:t>퀘스트 목표 </a:t>
             </a:r>
             <a:r>
-              <a:rPr lang="en-US" altLang="ko-KR" dirty="0" smtClean="0"/>
+              <a:rPr lang="en-US" altLang="ko-KR" sz="2400" dirty="0" smtClean="0"/>
               <a:t>– </a:t>
             </a:r>
+            <a:r>
+              <a:rPr lang="ko-KR" altLang="en-US" sz="2400" dirty="0" smtClean="0"/>
+              <a:t>기본 조작 숙달</a:t>
+            </a:r>
+            <a:endParaRPr lang="en-US" altLang="ko-KR" sz="2400" dirty="0" smtClean="0"/>
+          </a:p>
+          <a:p>
+            <a:endParaRPr lang="en-US" altLang="ko-KR" sz="2400" dirty="0" smtClean="0"/>
+          </a:p>
+          <a:p>
+            <a:pPr marL="514350" indent="-514350">
+              <a:buAutoNum type="arabicPeriod"/>
+            </a:pPr>
+            <a:r>
+              <a:rPr lang="en-US" altLang="ko-KR" sz="1800" dirty="0" smtClean="0"/>
+              <a:t>WASD </a:t>
+            </a:r>
+            <a:r>
+              <a:rPr lang="ko-KR" altLang="en-US" sz="1800" dirty="0" smtClean="0"/>
+              <a:t>이동</a:t>
+            </a:r>
+            <a:endParaRPr lang="en-US" altLang="ko-KR" sz="1800" dirty="0" smtClean="0"/>
+          </a:p>
+          <a:p>
+            <a:pPr marL="514350" indent="-514350">
+              <a:buAutoNum type="arabicPeriod"/>
+            </a:pPr>
+            <a:r>
+              <a:rPr lang="en-US" altLang="ko-KR" sz="1800" dirty="0" smtClean="0"/>
+              <a:t>Space Bar </a:t>
+            </a:r>
+            <a:r>
+              <a:rPr lang="ko-KR" altLang="en-US" sz="1800" dirty="0" smtClean="0"/>
+              <a:t>점프</a:t>
+            </a:r>
+            <a:endParaRPr lang="en-US" altLang="ko-KR" sz="1800" dirty="0" smtClean="0"/>
+          </a:p>
+          <a:p>
+            <a:pPr marL="514350" indent="-514350">
+              <a:buAutoNum type="arabicPeriod"/>
+            </a:pPr>
+            <a:r>
+              <a:rPr lang="ko-KR" altLang="en-US" sz="1800" dirty="0" smtClean="0"/>
+              <a:t>목표 지점 도달</a:t>
+            </a:r>
+            <a:endParaRPr lang="en-US" altLang="ko-KR" sz="1800" dirty="0" smtClean="0"/>
+          </a:p>
+          <a:p>
+            <a:pPr marL="514350" indent="-514350">
+              <a:buAutoNum type="arabicPeriod"/>
+            </a:pPr>
+            <a:r>
+              <a:rPr lang="ko-KR" altLang="en-US" sz="1800" dirty="0" smtClean="0"/>
+              <a:t>대상 지정 </a:t>
+            </a:r>
+            <a:r>
+              <a:rPr lang="ko-KR" altLang="en-US" sz="1800" dirty="0" err="1" smtClean="0"/>
+              <a:t>우클릭</a:t>
+            </a:r>
+            <a:endParaRPr lang="en-US" altLang="ko-KR" sz="1800" dirty="0" smtClean="0"/>
+          </a:p>
+          <a:p>
+            <a:pPr marL="514350" indent="-514350">
+              <a:buAutoNum type="arabicPeriod"/>
+            </a:pPr>
+            <a:r>
+              <a:rPr lang="en-US" altLang="ko-KR" sz="1800" dirty="0" smtClean="0"/>
+              <a:t>Q, E, R </a:t>
+            </a:r>
+            <a:r>
+              <a:rPr lang="ko-KR" altLang="en-US" sz="1800" dirty="0" smtClean="0"/>
+              <a:t>시간 마법 사용</a:t>
+            </a:r>
+            <a:endParaRPr lang="en-US" altLang="ko-KR" sz="1800" dirty="0" smtClean="0"/>
+          </a:p>
+          <a:p>
+            <a:pPr marL="514350" indent="-514350">
+              <a:buAutoNum type="arabicPeriod"/>
+            </a:pPr>
+            <a:endParaRPr lang="en-US" altLang="ko-KR" dirty="0" smtClean="0"/>
           </a:p>
           <a:p>
             <a:endParaRPr lang="en-US" altLang="ko-KR" dirty="0" smtClean="0"/>
@@ -3522,6 +3672,584 @@
     <p:extLst>
       <p:ext uri="{BB962C8B-B14F-4D97-AF65-F5344CB8AC3E}">
         <p14:creationId xmlns:p14="http://schemas.microsoft.com/office/powerpoint/2010/main" val="3867045904"/>
+      </p:ext>
+    </p:extLst>
+  </p:cSld>
+  <p:clrMapOvr>
+    <a:masterClrMapping/>
+  </p:clrMapOvr>
+</p:sld>
+</file>
+
+<file path=ppt/slides/slide6.xml><?xml version="1.0" encoding="utf-8"?>
+<p:sld xmlns:a="http://schemas.openxmlformats.org/drawingml/2006/main" xmlns:r="http://schemas.openxmlformats.org/officeDocument/2006/relationships" xmlns:p="http://schemas.openxmlformats.org/presentationml/2006/main">
+  <p:cSld>
+    <p:spTree>
+      <p:nvGrpSpPr>
+        <p:cNvPr id="1" name=""/>
+        <p:cNvGrpSpPr/>
+        <p:nvPr/>
+      </p:nvGrpSpPr>
+      <p:grpSpPr>
+        <a:xfrm>
+          <a:off x="0" y="0"/>
+          <a:ext cx="0" cy="0"/>
+          <a:chOff x="0" y="0"/>
+          <a:chExt cx="0" cy="0"/>
+        </a:xfrm>
+      </p:grpSpPr>
+      <p:sp>
+        <p:nvSpPr>
+          <p:cNvPr id="2" name="제목 1"/>
+          <p:cNvSpPr>
+            <a:spLocks noGrp="1"/>
+          </p:cNvSpPr>
+          <p:nvPr>
+            <p:ph type="title"/>
+          </p:nvPr>
+        </p:nvSpPr>
+        <p:spPr/>
+        <p:txBody>
+          <a:bodyPr/>
+          <a:lstStyle/>
+          <a:p>
+            <a:r>
+              <a:rPr lang="en-US" altLang="ko-KR" dirty="0" smtClean="0"/>
+              <a:t>2 </a:t>
+            </a:r>
+            <a:r>
+              <a:rPr lang="ko-KR" altLang="en-US" dirty="0" smtClean="0"/>
+              <a:t>구역</a:t>
+            </a:r>
+            <a:endParaRPr lang="ko-KR" altLang="en-US" dirty="0"/>
+          </a:p>
+        </p:txBody>
+      </p:sp>
+      <p:sp>
+        <p:nvSpPr>
+          <p:cNvPr id="3" name="내용 개체 틀 2"/>
+          <p:cNvSpPr>
+            <a:spLocks noGrp="1"/>
+          </p:cNvSpPr>
+          <p:nvPr>
+            <p:ph idx="1"/>
+          </p:nvPr>
+        </p:nvSpPr>
+        <p:spPr/>
+        <p:txBody>
+          <a:bodyPr>
+            <a:normAutofit/>
+          </a:bodyPr>
+          <a:lstStyle/>
+          <a:p>
+            <a:r>
+              <a:rPr lang="ko-KR" altLang="en-US" sz="2400" dirty="0" smtClean="0"/>
+              <a:t>소모 예정 시간 </a:t>
+            </a:r>
+            <a:r>
+              <a:rPr lang="en-US" altLang="ko-KR" sz="2400" dirty="0" smtClean="0"/>
+              <a:t>- </a:t>
+            </a:r>
+            <a:r>
+              <a:rPr lang="en-US" altLang="ko-KR" sz="2400" dirty="0"/>
+              <a:t>5</a:t>
+            </a:r>
+            <a:r>
+              <a:rPr lang="ko-KR" altLang="en-US" sz="2400" dirty="0" smtClean="0"/>
+              <a:t>분</a:t>
+            </a:r>
+            <a:endParaRPr lang="en-US" altLang="ko-KR" sz="2400" dirty="0"/>
+          </a:p>
+          <a:p>
+            <a:r>
+              <a:rPr lang="ko-KR" altLang="en-US" sz="2400" dirty="0" smtClean="0"/>
+              <a:t>메인 테마 </a:t>
+            </a:r>
+            <a:r>
+              <a:rPr lang="en-US" altLang="ko-KR" sz="2400" dirty="0" smtClean="0"/>
+              <a:t>– </a:t>
+            </a:r>
+            <a:r>
+              <a:rPr lang="ko-KR" altLang="en-US" sz="2400" dirty="0" smtClean="0"/>
+              <a:t>숲</a:t>
+            </a:r>
+            <a:endParaRPr lang="en-US" altLang="ko-KR" sz="2400" dirty="0" smtClean="0"/>
+          </a:p>
+          <a:p>
+            <a:r>
+              <a:rPr lang="ko-KR" altLang="en-US" sz="2400" dirty="0" smtClean="0"/>
+              <a:t>퀘스트 </a:t>
+            </a:r>
+            <a:r>
+              <a:rPr lang="ko-KR" altLang="en-US" sz="2400" dirty="0" smtClean="0"/>
+              <a:t>목표 </a:t>
+            </a:r>
+            <a:r>
+              <a:rPr lang="en-US" altLang="ko-KR" sz="2400" dirty="0" smtClean="0"/>
+              <a:t>– </a:t>
+            </a:r>
+            <a:r>
+              <a:rPr lang="ko-KR" altLang="en-US" sz="2400" dirty="0" smtClean="0"/>
+              <a:t>목표 지점 도달</a:t>
+            </a:r>
+            <a:endParaRPr lang="en-US" altLang="ko-KR" sz="2400" dirty="0"/>
+          </a:p>
+          <a:p>
+            <a:endParaRPr lang="en-US" altLang="ko-KR" sz="2400" dirty="0" smtClean="0"/>
+          </a:p>
+          <a:p>
+            <a:pPr marL="0" indent="0">
+              <a:buNone/>
+            </a:pPr>
+            <a:r>
+              <a:rPr lang="en-US" altLang="ko-KR" sz="2000" dirty="0" smtClean="0"/>
+              <a:t>1. </a:t>
+            </a:r>
+            <a:r>
+              <a:rPr lang="ko-KR" altLang="en-US" sz="2000" dirty="0" smtClean="0"/>
+              <a:t>시간 </a:t>
+            </a:r>
+            <a:r>
+              <a:rPr lang="ko-KR" altLang="en-US" sz="2000" dirty="0" smtClean="0"/>
+              <a:t>회귀 </a:t>
+            </a:r>
+            <a:r>
+              <a:rPr lang="ko-KR" altLang="en-US" sz="2000" dirty="0" smtClean="0"/>
+              <a:t>마법으로 길을 막는 장애물 제거</a:t>
+            </a:r>
+            <a:endParaRPr lang="en-US" altLang="ko-KR" sz="2000" dirty="0" smtClean="0"/>
+          </a:p>
+          <a:p>
+            <a:pPr marL="0" indent="0">
+              <a:buNone/>
+            </a:pPr>
+            <a:r>
+              <a:rPr lang="en-US" altLang="ko-KR" sz="2000" dirty="0" smtClean="0"/>
+              <a:t>2. </a:t>
+            </a:r>
+            <a:r>
+              <a:rPr lang="ko-KR" altLang="en-US" sz="2000" dirty="0" smtClean="0"/>
+              <a:t>시간 점프 마법으로 갈 수 없는 위치로 이동</a:t>
+            </a:r>
+            <a:endParaRPr lang="en-US" altLang="ko-KR" sz="2000" dirty="0" smtClean="0"/>
+          </a:p>
+          <a:p>
+            <a:pPr marL="0" indent="0">
+              <a:buNone/>
+            </a:pPr>
+            <a:r>
+              <a:rPr lang="en-US" altLang="ko-KR" sz="2000" dirty="0" smtClean="0"/>
+              <a:t>3. </a:t>
+            </a:r>
+            <a:r>
+              <a:rPr lang="ko-KR" altLang="en-US" sz="2000" dirty="0" smtClean="0"/>
+              <a:t>시간 정지 마법으로 옮겨 탈 수 없는 발판으로 이동</a:t>
+            </a:r>
+            <a:endParaRPr lang="en-US" altLang="ko-KR" sz="2000" dirty="0" smtClean="0"/>
+          </a:p>
+        </p:txBody>
+      </p:sp>
+    </p:spTree>
+    <p:extLst>
+      <p:ext uri="{BB962C8B-B14F-4D97-AF65-F5344CB8AC3E}">
+        <p14:creationId xmlns:p14="http://schemas.microsoft.com/office/powerpoint/2010/main" val="1993743238"/>
+      </p:ext>
+    </p:extLst>
+  </p:cSld>
+  <p:clrMapOvr>
+    <a:masterClrMapping/>
+  </p:clrMapOvr>
+</p:sld>
+</file>
+
+<file path=ppt/slides/slide7.xml><?xml version="1.0" encoding="utf-8"?>
+<p:sld xmlns:a="http://schemas.openxmlformats.org/drawingml/2006/main" xmlns:r="http://schemas.openxmlformats.org/officeDocument/2006/relationships" xmlns:p="http://schemas.openxmlformats.org/presentationml/2006/main">
+  <p:cSld>
+    <p:spTree>
+      <p:nvGrpSpPr>
+        <p:cNvPr id="1" name=""/>
+        <p:cNvGrpSpPr/>
+        <p:nvPr/>
+      </p:nvGrpSpPr>
+      <p:grpSpPr>
+        <a:xfrm>
+          <a:off x="0" y="0"/>
+          <a:ext cx="0" cy="0"/>
+          <a:chOff x="0" y="0"/>
+          <a:chExt cx="0" cy="0"/>
+        </a:xfrm>
+      </p:grpSpPr>
+      <p:sp>
+        <p:nvSpPr>
+          <p:cNvPr id="2" name="제목 1"/>
+          <p:cNvSpPr>
+            <a:spLocks noGrp="1"/>
+          </p:cNvSpPr>
+          <p:nvPr>
+            <p:ph type="title"/>
+          </p:nvPr>
+        </p:nvSpPr>
+        <p:spPr/>
+        <p:txBody>
+          <a:bodyPr/>
+          <a:lstStyle/>
+          <a:p>
+            <a:r>
+              <a:rPr lang="en-US" altLang="ko-KR" dirty="0" smtClean="0"/>
+              <a:t>3 </a:t>
+            </a:r>
+            <a:r>
+              <a:rPr lang="ko-KR" altLang="en-US" dirty="0" smtClean="0"/>
+              <a:t>구역</a:t>
+            </a:r>
+            <a:endParaRPr lang="ko-KR" altLang="en-US" dirty="0"/>
+          </a:p>
+        </p:txBody>
+      </p:sp>
+      <p:sp>
+        <p:nvSpPr>
+          <p:cNvPr id="3" name="내용 개체 틀 2"/>
+          <p:cNvSpPr>
+            <a:spLocks noGrp="1"/>
+          </p:cNvSpPr>
+          <p:nvPr>
+            <p:ph idx="1"/>
+          </p:nvPr>
+        </p:nvSpPr>
+        <p:spPr/>
+        <p:txBody>
+          <a:bodyPr/>
+          <a:lstStyle/>
+          <a:p>
+            <a:r>
+              <a:rPr lang="ko-KR" altLang="en-US" sz="2400" dirty="0" smtClean="0"/>
+              <a:t>소모 예정 시간 </a:t>
+            </a:r>
+            <a:r>
+              <a:rPr lang="en-US" altLang="ko-KR" sz="2400" dirty="0" smtClean="0"/>
+              <a:t>- 5</a:t>
+            </a:r>
+            <a:r>
+              <a:rPr lang="ko-KR" altLang="en-US" sz="2400" dirty="0" smtClean="0"/>
+              <a:t>분</a:t>
+            </a:r>
+            <a:endParaRPr lang="en-US" altLang="ko-KR" sz="2400" dirty="0"/>
+          </a:p>
+          <a:p>
+            <a:r>
+              <a:rPr lang="ko-KR" altLang="en-US" sz="2400" dirty="0" smtClean="0"/>
+              <a:t>메인 테마 </a:t>
+            </a:r>
+            <a:r>
+              <a:rPr lang="en-US" altLang="ko-KR" sz="2400" dirty="0" smtClean="0"/>
+              <a:t>– </a:t>
+            </a:r>
+            <a:r>
+              <a:rPr lang="ko-KR" altLang="en-US" sz="2400" dirty="0" smtClean="0"/>
+              <a:t>숲</a:t>
+            </a:r>
+            <a:endParaRPr lang="en-US" altLang="ko-KR" sz="2400" dirty="0" smtClean="0"/>
+          </a:p>
+          <a:p>
+            <a:r>
+              <a:rPr lang="ko-KR" altLang="en-US" sz="2400" dirty="0" smtClean="0"/>
+              <a:t>퀘스트 </a:t>
+            </a:r>
+            <a:r>
+              <a:rPr lang="ko-KR" altLang="en-US" sz="2400" dirty="0" smtClean="0"/>
+              <a:t>목표 </a:t>
+            </a:r>
+            <a:r>
+              <a:rPr lang="en-US" altLang="ko-KR" sz="2400" dirty="0" smtClean="0"/>
+              <a:t>– </a:t>
+            </a:r>
+            <a:r>
+              <a:rPr lang="ko-KR" altLang="en-US" sz="2400" dirty="0" smtClean="0"/>
+              <a:t>기본 조작 숙달</a:t>
+            </a:r>
+            <a:endParaRPr lang="en-US" altLang="ko-KR" sz="2400" dirty="0" smtClean="0"/>
+          </a:p>
+          <a:p>
+            <a:endParaRPr lang="en-US" altLang="ko-KR" dirty="0" smtClean="0"/>
+          </a:p>
+        </p:txBody>
+      </p:sp>
+    </p:spTree>
+    <p:extLst>
+      <p:ext uri="{BB962C8B-B14F-4D97-AF65-F5344CB8AC3E}">
+        <p14:creationId xmlns:p14="http://schemas.microsoft.com/office/powerpoint/2010/main" val="744276307"/>
+      </p:ext>
+    </p:extLst>
+  </p:cSld>
+  <p:clrMapOvr>
+    <a:masterClrMapping/>
+  </p:clrMapOvr>
+</p:sld>
+</file>
+
+<file path=ppt/slides/slide8.xml><?xml version="1.0" encoding="utf-8"?>
+<p:sld xmlns:a="http://schemas.openxmlformats.org/drawingml/2006/main" xmlns:r="http://schemas.openxmlformats.org/officeDocument/2006/relationships" xmlns:p="http://schemas.openxmlformats.org/presentationml/2006/main">
+  <p:cSld>
+    <p:spTree>
+      <p:nvGrpSpPr>
+        <p:cNvPr id="1" name=""/>
+        <p:cNvGrpSpPr/>
+        <p:nvPr/>
+      </p:nvGrpSpPr>
+      <p:grpSpPr>
+        <a:xfrm>
+          <a:off x="0" y="0"/>
+          <a:ext cx="0" cy="0"/>
+          <a:chOff x="0" y="0"/>
+          <a:chExt cx="0" cy="0"/>
+        </a:xfrm>
+      </p:grpSpPr>
+      <p:sp>
+        <p:nvSpPr>
+          <p:cNvPr id="2" name="제목 1"/>
+          <p:cNvSpPr>
+            <a:spLocks noGrp="1"/>
+          </p:cNvSpPr>
+          <p:nvPr>
+            <p:ph type="title"/>
+          </p:nvPr>
+        </p:nvSpPr>
+        <p:spPr/>
+        <p:txBody>
+          <a:bodyPr/>
+          <a:lstStyle/>
+          <a:p>
+            <a:r>
+              <a:rPr lang="en-US" altLang="ko-KR" dirty="0" smtClean="0"/>
+              <a:t>4 </a:t>
+            </a:r>
+            <a:r>
+              <a:rPr lang="ko-KR" altLang="en-US" dirty="0" smtClean="0"/>
+              <a:t>구역</a:t>
+            </a:r>
+            <a:endParaRPr lang="ko-KR" altLang="en-US" dirty="0"/>
+          </a:p>
+        </p:txBody>
+      </p:sp>
+      <p:sp>
+        <p:nvSpPr>
+          <p:cNvPr id="3" name="내용 개체 틀 2"/>
+          <p:cNvSpPr>
+            <a:spLocks noGrp="1"/>
+          </p:cNvSpPr>
+          <p:nvPr>
+            <p:ph idx="1"/>
+          </p:nvPr>
+        </p:nvSpPr>
+        <p:spPr/>
+        <p:txBody>
+          <a:bodyPr/>
+          <a:lstStyle/>
+          <a:p>
+            <a:r>
+              <a:rPr lang="ko-KR" altLang="en-US" sz="2400" dirty="0" smtClean="0"/>
+              <a:t>소모 예정 시간 </a:t>
+            </a:r>
+            <a:r>
+              <a:rPr lang="en-US" altLang="ko-KR" sz="2400" dirty="0" smtClean="0"/>
+              <a:t>- 5</a:t>
+            </a:r>
+            <a:r>
+              <a:rPr lang="ko-KR" altLang="en-US" sz="2400" dirty="0" smtClean="0"/>
+              <a:t>분</a:t>
+            </a:r>
+            <a:endParaRPr lang="en-US" altLang="ko-KR" sz="2400" dirty="0"/>
+          </a:p>
+          <a:p>
+            <a:r>
+              <a:rPr lang="ko-KR" altLang="en-US" sz="2400" dirty="0" smtClean="0"/>
+              <a:t>메인 테마 </a:t>
+            </a:r>
+            <a:r>
+              <a:rPr lang="en-US" altLang="ko-KR" sz="2400" dirty="0" smtClean="0"/>
+              <a:t>– </a:t>
+            </a:r>
+            <a:r>
+              <a:rPr lang="ko-KR" altLang="en-US" sz="2400" dirty="0" smtClean="0"/>
+              <a:t>던전 입구</a:t>
+            </a:r>
+            <a:endParaRPr lang="en-US" altLang="ko-KR" sz="2400" dirty="0" smtClean="0"/>
+          </a:p>
+          <a:p>
+            <a:r>
+              <a:rPr lang="ko-KR" altLang="en-US" sz="2400" dirty="0" smtClean="0"/>
+              <a:t>퀘스트 </a:t>
+            </a:r>
+            <a:r>
+              <a:rPr lang="ko-KR" altLang="en-US" sz="2400" dirty="0" smtClean="0"/>
+              <a:t>목표 </a:t>
+            </a:r>
+            <a:r>
+              <a:rPr lang="en-US" altLang="ko-KR" sz="2400" dirty="0" smtClean="0"/>
+              <a:t>– </a:t>
+            </a:r>
+            <a:r>
+              <a:rPr lang="ko-KR" altLang="en-US" sz="2400" dirty="0" smtClean="0"/>
+              <a:t>올바른 </a:t>
+            </a:r>
+            <a:r>
+              <a:rPr lang="ko-KR" altLang="en-US" sz="2400" dirty="0" smtClean="0"/>
+              <a:t>입구 탐색</a:t>
+            </a:r>
+            <a:r>
+              <a:rPr lang="en-US" altLang="ko-KR" sz="2400" dirty="0"/>
+              <a:t> </a:t>
+            </a:r>
+            <a:r>
+              <a:rPr lang="ko-KR" altLang="en-US" sz="2400" dirty="0" smtClean="0"/>
+              <a:t>후 입장</a:t>
+            </a:r>
+            <a:endParaRPr lang="en-US" altLang="ko-KR" sz="2400" dirty="0" smtClean="0"/>
+          </a:p>
+          <a:p>
+            <a:endParaRPr lang="en-US" altLang="ko-KR" sz="2400" dirty="0"/>
+          </a:p>
+          <a:p>
+            <a:pPr marL="0" indent="0">
+              <a:buNone/>
+            </a:pPr>
+            <a:r>
+              <a:rPr lang="en-US" altLang="ko-KR" sz="2000" dirty="0" smtClean="0"/>
+              <a:t>1.</a:t>
+            </a:r>
+          </a:p>
+        </p:txBody>
+      </p:sp>
+    </p:spTree>
+    <p:extLst>
+      <p:ext uri="{BB962C8B-B14F-4D97-AF65-F5344CB8AC3E}">
+        <p14:creationId xmlns:p14="http://schemas.microsoft.com/office/powerpoint/2010/main" val="945470040"/>
+      </p:ext>
+    </p:extLst>
+  </p:cSld>
+  <p:clrMapOvr>
+    <a:masterClrMapping/>
+  </p:clrMapOvr>
+</p:sld>
+</file>
+
+<file path=ppt/slides/slide9.xml><?xml version="1.0" encoding="utf-8"?>
+<p:sld xmlns:a="http://schemas.openxmlformats.org/drawingml/2006/main" xmlns:r="http://schemas.openxmlformats.org/officeDocument/2006/relationships" xmlns:p="http://schemas.openxmlformats.org/presentationml/2006/main">
+  <p:cSld>
+    <p:spTree>
+      <p:nvGrpSpPr>
+        <p:cNvPr id="1" name=""/>
+        <p:cNvGrpSpPr/>
+        <p:nvPr/>
+      </p:nvGrpSpPr>
+      <p:grpSpPr>
+        <a:xfrm>
+          <a:off x="0" y="0"/>
+          <a:ext cx="0" cy="0"/>
+          <a:chOff x="0" y="0"/>
+          <a:chExt cx="0" cy="0"/>
+        </a:xfrm>
+      </p:grpSpPr>
+      <p:sp>
+        <p:nvSpPr>
+          <p:cNvPr id="2" name="제목 1"/>
+          <p:cNvSpPr>
+            <a:spLocks noGrp="1"/>
+          </p:cNvSpPr>
+          <p:nvPr>
+            <p:ph type="title"/>
+          </p:nvPr>
+        </p:nvSpPr>
+        <p:spPr/>
+        <p:txBody>
+          <a:bodyPr/>
+          <a:lstStyle/>
+          <a:p>
+            <a:r>
+              <a:rPr lang="en-US" altLang="ko-KR" dirty="0"/>
+              <a:t>5</a:t>
+            </a:r>
+            <a:r>
+              <a:rPr lang="en-US" altLang="ko-KR" dirty="0" smtClean="0"/>
+              <a:t> </a:t>
+            </a:r>
+            <a:r>
+              <a:rPr lang="ko-KR" altLang="en-US" dirty="0" smtClean="0"/>
+              <a:t>구역</a:t>
+            </a:r>
+            <a:endParaRPr lang="ko-KR" altLang="en-US" dirty="0"/>
+          </a:p>
+        </p:txBody>
+      </p:sp>
+      <p:sp>
+        <p:nvSpPr>
+          <p:cNvPr id="3" name="내용 개체 틀 2"/>
+          <p:cNvSpPr>
+            <a:spLocks noGrp="1"/>
+          </p:cNvSpPr>
+          <p:nvPr>
+            <p:ph idx="1"/>
+          </p:nvPr>
+        </p:nvSpPr>
+        <p:spPr/>
+        <p:txBody>
+          <a:bodyPr/>
+          <a:lstStyle/>
+          <a:p>
+            <a:r>
+              <a:rPr lang="ko-KR" altLang="en-US" sz="2400" dirty="0" smtClean="0"/>
+              <a:t>소모 예정 시간 </a:t>
+            </a:r>
+            <a:r>
+              <a:rPr lang="en-US" altLang="ko-KR" sz="2400" dirty="0" smtClean="0"/>
+              <a:t>- 5</a:t>
+            </a:r>
+            <a:r>
+              <a:rPr lang="ko-KR" altLang="en-US" sz="2400" dirty="0" smtClean="0"/>
+              <a:t>분</a:t>
+            </a:r>
+            <a:endParaRPr lang="en-US" altLang="ko-KR" sz="2400" dirty="0"/>
+          </a:p>
+          <a:p>
+            <a:r>
+              <a:rPr lang="ko-KR" altLang="en-US" sz="2400" dirty="0" smtClean="0"/>
+              <a:t>메인 테마 </a:t>
+            </a:r>
+            <a:r>
+              <a:rPr lang="en-US" altLang="ko-KR" sz="2400" dirty="0" smtClean="0"/>
+              <a:t>– </a:t>
+            </a:r>
+            <a:r>
+              <a:rPr lang="ko-KR" altLang="en-US" sz="2400" dirty="0" smtClean="0"/>
+              <a:t>던전 끝</a:t>
+            </a:r>
+            <a:endParaRPr lang="en-US" altLang="ko-KR" sz="2400" dirty="0" smtClean="0"/>
+          </a:p>
+          <a:p>
+            <a:r>
+              <a:rPr lang="ko-KR" altLang="en-US" sz="2400" dirty="0" smtClean="0"/>
+              <a:t>퀘스트 </a:t>
+            </a:r>
+            <a:r>
+              <a:rPr lang="ko-KR" altLang="en-US" sz="2400" dirty="0" smtClean="0"/>
+              <a:t>목표 </a:t>
+            </a:r>
+            <a:r>
+              <a:rPr lang="en-US" altLang="ko-KR" sz="2400" dirty="0" smtClean="0"/>
+              <a:t>– </a:t>
+            </a:r>
+            <a:r>
+              <a:rPr lang="ko-KR" altLang="en-US" sz="2400" dirty="0" smtClean="0"/>
+              <a:t>던전 끝까지 도달</a:t>
+            </a:r>
+            <a:endParaRPr lang="en-US" altLang="ko-KR" dirty="0" smtClean="0"/>
+          </a:p>
+        </p:txBody>
+      </p:sp>
+    </p:spTree>
+    <p:extLst>
+      <p:ext uri="{BB962C8B-B14F-4D97-AF65-F5344CB8AC3E}">
+        <p14:creationId xmlns:p14="http://schemas.microsoft.com/office/powerpoint/2010/main" val="2995186742"/>
       </p:ext>
     </p:extLst>
   </p:cSld>

--- a/시간의 마녀_데모맵 기획.pptx
+++ b/시간의 마녀_데모맵 기획.pptx
@@ -14,6 +14,8 @@
     <p:sldId id="262" r:id="rId8"/>
     <p:sldId id="263" r:id="rId9"/>
     <p:sldId id="264" r:id="rId10"/>
+    <p:sldId id="265" r:id="rId11"/>
+    <p:sldId id="266" r:id="rId12"/>
   </p:sldIdLst>
   <p:sldSz cx="12192000" cy="6858000"/>
   <p:notesSz cx="6858000" cy="9144000"/>
@@ -3040,6 +3042,1152 @@
 </p:sld>
 </file>
 
+<file path=ppt/slides/slide10.xml><?xml version="1.0" encoding="utf-8"?>
+<p:sld xmlns:a="http://schemas.openxmlformats.org/drawingml/2006/main" xmlns:r="http://schemas.openxmlformats.org/officeDocument/2006/relationships" xmlns:p="http://schemas.openxmlformats.org/presentationml/2006/main">
+  <p:cSld>
+    <p:spTree>
+      <p:nvGrpSpPr>
+        <p:cNvPr id="1" name=""/>
+        <p:cNvGrpSpPr/>
+        <p:nvPr/>
+      </p:nvGrpSpPr>
+      <p:grpSpPr>
+        <a:xfrm>
+          <a:off x="0" y="0"/>
+          <a:ext cx="0" cy="0"/>
+          <a:chOff x="0" y="0"/>
+          <a:chExt cx="0" cy="0"/>
+        </a:xfrm>
+      </p:grpSpPr>
+      <p:sp>
+        <p:nvSpPr>
+          <p:cNvPr id="4" name="직사각형 3"/>
+          <p:cNvSpPr/>
+          <p:nvPr/>
+        </p:nvSpPr>
+        <p:spPr>
+          <a:xfrm>
+            <a:off x="3066756" y="731519"/>
+            <a:ext cx="5400000" cy="5400000"/>
+          </a:xfrm>
+          <a:prstGeom prst="rect">
+            <a:avLst/>
+          </a:prstGeom>
+          <a:solidFill>
+            <a:schemeClr val="bg1"/>
+          </a:solidFill>
+          <a:ln w="38100">
+            <a:solidFill>
+              <a:schemeClr val="tx1"/>
+            </a:solidFill>
+          </a:ln>
+        </p:spPr>
+        <p:style>
+          <a:lnRef idx="2">
+            <a:schemeClr val="accent1">
+              <a:shade val="50000"/>
+            </a:schemeClr>
+          </a:lnRef>
+          <a:fillRef idx="1">
+            <a:schemeClr val="accent1"/>
+          </a:fillRef>
+          <a:effectRef idx="0">
+            <a:schemeClr val="accent1"/>
+          </a:effectRef>
+          <a:fontRef idx="minor">
+            <a:schemeClr val="lt1"/>
+          </a:fontRef>
+        </p:style>
+        <p:txBody>
+          <a:bodyPr rtlCol="0" anchor="ctr"/>
+          <a:lstStyle/>
+          <a:p>
+            <a:pPr algn="ctr"/>
+            <a:endParaRPr lang="ko-KR" altLang="en-US">
+              <a:solidFill>
+                <a:schemeClr val="tx1"/>
+              </a:solidFill>
+            </a:endParaRPr>
+          </a:p>
+        </p:txBody>
+      </p:sp>
+      <p:sp>
+        <p:nvSpPr>
+          <p:cNvPr id="5" name="직사각형 4"/>
+          <p:cNvSpPr/>
+          <p:nvPr/>
+        </p:nvSpPr>
+        <p:spPr>
+          <a:xfrm>
+            <a:off x="3066756" y="731519"/>
+            <a:ext cx="2700000" cy="5400000"/>
+          </a:xfrm>
+          <a:prstGeom prst="rect">
+            <a:avLst/>
+          </a:prstGeom>
+          <a:solidFill>
+            <a:schemeClr val="bg1"/>
+          </a:solidFill>
+          <a:ln w="38100">
+            <a:solidFill>
+              <a:schemeClr val="tx1"/>
+            </a:solidFill>
+          </a:ln>
+        </p:spPr>
+        <p:style>
+          <a:lnRef idx="2">
+            <a:schemeClr val="accent1">
+              <a:shade val="50000"/>
+            </a:schemeClr>
+          </a:lnRef>
+          <a:fillRef idx="1">
+            <a:schemeClr val="accent1"/>
+          </a:fillRef>
+          <a:effectRef idx="0">
+            <a:schemeClr val="accent1"/>
+          </a:effectRef>
+          <a:fontRef idx="minor">
+            <a:schemeClr val="lt1"/>
+          </a:fontRef>
+        </p:style>
+        <p:txBody>
+          <a:bodyPr rtlCol="0" anchor="ctr"/>
+          <a:lstStyle/>
+          <a:p>
+            <a:pPr algn="ctr"/>
+            <a:endParaRPr lang="ko-KR" altLang="en-US" dirty="0">
+              <a:solidFill>
+                <a:schemeClr val="tx1"/>
+              </a:solidFill>
+            </a:endParaRPr>
+          </a:p>
+        </p:txBody>
+      </p:sp>
+      <p:sp>
+        <p:nvSpPr>
+          <p:cNvPr id="6" name="직사각형 5"/>
+          <p:cNvSpPr/>
+          <p:nvPr/>
+        </p:nvSpPr>
+        <p:spPr>
+          <a:xfrm>
+            <a:off x="3066756" y="4779995"/>
+            <a:ext cx="2700000" cy="1351523"/>
+          </a:xfrm>
+          <a:prstGeom prst="rect">
+            <a:avLst/>
+          </a:prstGeom>
+          <a:solidFill>
+            <a:schemeClr val="bg1"/>
+          </a:solidFill>
+          <a:ln w="38100">
+            <a:solidFill>
+              <a:schemeClr val="tx1"/>
+            </a:solidFill>
+          </a:ln>
+        </p:spPr>
+        <p:style>
+          <a:lnRef idx="2">
+            <a:schemeClr val="accent1">
+              <a:shade val="50000"/>
+            </a:schemeClr>
+          </a:lnRef>
+          <a:fillRef idx="1">
+            <a:schemeClr val="accent1"/>
+          </a:fillRef>
+          <a:effectRef idx="0">
+            <a:schemeClr val="accent1"/>
+          </a:effectRef>
+          <a:fontRef idx="minor">
+            <a:schemeClr val="lt1"/>
+          </a:fontRef>
+        </p:style>
+        <p:txBody>
+          <a:bodyPr rtlCol="0" anchor="ctr"/>
+          <a:lstStyle/>
+          <a:p>
+            <a:pPr algn="ctr"/>
+            <a:r>
+              <a:rPr lang="en-US" altLang="ko-KR" dirty="0" smtClean="0">
+                <a:solidFill>
+                  <a:schemeClr val="tx1"/>
+                </a:solidFill>
+              </a:rPr>
+              <a:t>1</a:t>
+            </a:r>
+            <a:r>
+              <a:rPr lang="ko-KR" altLang="en-US" dirty="0" smtClean="0">
+                <a:solidFill>
+                  <a:schemeClr val="tx1"/>
+                </a:solidFill>
+              </a:rPr>
+              <a:t>구역</a:t>
+            </a:r>
+            <a:endParaRPr lang="ko-KR" altLang="en-US" dirty="0">
+              <a:solidFill>
+                <a:schemeClr val="tx1"/>
+              </a:solidFill>
+            </a:endParaRPr>
+          </a:p>
+        </p:txBody>
+      </p:sp>
+      <p:sp>
+        <p:nvSpPr>
+          <p:cNvPr id="7" name="직사각형 6"/>
+          <p:cNvSpPr/>
+          <p:nvPr/>
+        </p:nvSpPr>
+        <p:spPr>
+          <a:xfrm>
+            <a:off x="3066756" y="2844405"/>
+            <a:ext cx="2700000" cy="1939347"/>
+          </a:xfrm>
+          <a:prstGeom prst="rect">
+            <a:avLst/>
+          </a:prstGeom>
+          <a:solidFill>
+            <a:schemeClr val="bg1"/>
+          </a:solidFill>
+          <a:ln w="38100">
+            <a:solidFill>
+              <a:schemeClr val="tx1"/>
+            </a:solidFill>
+          </a:ln>
+        </p:spPr>
+        <p:style>
+          <a:lnRef idx="2">
+            <a:schemeClr val="accent1">
+              <a:shade val="50000"/>
+            </a:schemeClr>
+          </a:lnRef>
+          <a:fillRef idx="1">
+            <a:schemeClr val="accent1"/>
+          </a:fillRef>
+          <a:effectRef idx="0">
+            <a:schemeClr val="accent1"/>
+          </a:effectRef>
+          <a:fontRef idx="minor">
+            <a:schemeClr val="lt1"/>
+          </a:fontRef>
+        </p:style>
+        <p:txBody>
+          <a:bodyPr rtlCol="0" anchor="ctr"/>
+          <a:lstStyle/>
+          <a:p>
+            <a:pPr algn="ctr"/>
+            <a:r>
+              <a:rPr lang="en-US" altLang="ko-KR" dirty="0" smtClean="0">
+                <a:solidFill>
+                  <a:schemeClr val="tx1"/>
+                </a:solidFill>
+              </a:rPr>
+              <a:t>2</a:t>
+            </a:r>
+            <a:r>
+              <a:rPr lang="ko-KR" altLang="en-US" dirty="0" smtClean="0">
+                <a:solidFill>
+                  <a:schemeClr val="tx1"/>
+                </a:solidFill>
+              </a:rPr>
+              <a:t>구역</a:t>
+            </a:r>
+            <a:endParaRPr lang="ko-KR" altLang="en-US" dirty="0">
+              <a:solidFill>
+                <a:schemeClr val="tx1"/>
+              </a:solidFill>
+            </a:endParaRPr>
+          </a:p>
+        </p:txBody>
+      </p:sp>
+      <p:sp>
+        <p:nvSpPr>
+          <p:cNvPr id="8" name="직사각형 7"/>
+          <p:cNvSpPr/>
+          <p:nvPr/>
+        </p:nvSpPr>
+        <p:spPr>
+          <a:xfrm>
+            <a:off x="5766756" y="3334044"/>
+            <a:ext cx="2700000" cy="2797474"/>
+          </a:xfrm>
+          <a:prstGeom prst="rect">
+            <a:avLst/>
+          </a:prstGeom>
+          <a:solidFill>
+            <a:schemeClr val="bg1"/>
+          </a:solidFill>
+          <a:ln w="38100">
+            <a:solidFill>
+              <a:schemeClr val="tx1"/>
+            </a:solidFill>
+          </a:ln>
+        </p:spPr>
+        <p:style>
+          <a:lnRef idx="2">
+            <a:schemeClr val="accent1">
+              <a:shade val="50000"/>
+            </a:schemeClr>
+          </a:lnRef>
+          <a:fillRef idx="1">
+            <a:schemeClr val="accent1"/>
+          </a:fillRef>
+          <a:effectRef idx="0">
+            <a:schemeClr val="accent1"/>
+          </a:effectRef>
+          <a:fontRef idx="minor">
+            <a:schemeClr val="lt1"/>
+          </a:fontRef>
+        </p:style>
+        <p:txBody>
+          <a:bodyPr rtlCol="0" anchor="ctr"/>
+          <a:lstStyle/>
+          <a:p>
+            <a:pPr algn="ctr"/>
+            <a:endParaRPr lang="ko-KR" altLang="en-US">
+              <a:solidFill>
+                <a:schemeClr val="tx1"/>
+              </a:solidFill>
+            </a:endParaRPr>
+          </a:p>
+        </p:txBody>
+      </p:sp>
+      <p:sp>
+        <p:nvSpPr>
+          <p:cNvPr id="9" name="직사각형 8"/>
+          <p:cNvSpPr/>
+          <p:nvPr/>
+        </p:nvSpPr>
+        <p:spPr>
+          <a:xfrm>
+            <a:off x="4233377" y="4549853"/>
+            <a:ext cx="366758" cy="345654"/>
+          </a:xfrm>
+          <a:prstGeom prst="rect">
+            <a:avLst/>
+          </a:prstGeom>
+          <a:solidFill>
+            <a:srgbClr val="FF0000"/>
+          </a:solidFill>
+          <a:ln w="38100">
+            <a:solidFill>
+              <a:schemeClr val="tx1"/>
+            </a:solidFill>
+          </a:ln>
+        </p:spPr>
+        <p:style>
+          <a:lnRef idx="2">
+            <a:schemeClr val="accent1">
+              <a:shade val="50000"/>
+            </a:schemeClr>
+          </a:lnRef>
+          <a:fillRef idx="1">
+            <a:schemeClr val="accent1"/>
+          </a:fillRef>
+          <a:effectRef idx="0">
+            <a:schemeClr val="accent1"/>
+          </a:effectRef>
+          <a:fontRef idx="minor">
+            <a:schemeClr val="lt1"/>
+          </a:fontRef>
+        </p:style>
+        <p:txBody>
+          <a:bodyPr rtlCol="0" anchor="ctr"/>
+          <a:lstStyle/>
+          <a:p>
+            <a:pPr algn="ctr"/>
+            <a:endParaRPr lang="ko-KR" altLang="en-US"/>
+          </a:p>
+        </p:txBody>
+      </p:sp>
+      <p:sp>
+        <p:nvSpPr>
+          <p:cNvPr id="11" name="직사각형 10"/>
+          <p:cNvSpPr/>
+          <p:nvPr/>
+        </p:nvSpPr>
+        <p:spPr>
+          <a:xfrm>
+            <a:off x="4233377" y="2620607"/>
+            <a:ext cx="366758" cy="345654"/>
+          </a:xfrm>
+          <a:prstGeom prst="rect">
+            <a:avLst/>
+          </a:prstGeom>
+          <a:solidFill>
+            <a:srgbClr val="FF0000"/>
+          </a:solidFill>
+          <a:ln w="38100">
+            <a:solidFill>
+              <a:schemeClr val="tx1"/>
+            </a:solidFill>
+          </a:ln>
+        </p:spPr>
+        <p:style>
+          <a:lnRef idx="2">
+            <a:schemeClr val="accent1">
+              <a:shade val="50000"/>
+            </a:schemeClr>
+          </a:lnRef>
+          <a:fillRef idx="1">
+            <a:schemeClr val="accent1"/>
+          </a:fillRef>
+          <a:effectRef idx="0">
+            <a:schemeClr val="accent1"/>
+          </a:effectRef>
+          <a:fontRef idx="minor">
+            <a:schemeClr val="lt1"/>
+          </a:fontRef>
+        </p:style>
+        <p:txBody>
+          <a:bodyPr rtlCol="0" anchor="ctr"/>
+          <a:lstStyle/>
+          <a:p>
+            <a:pPr algn="ctr"/>
+            <a:endParaRPr lang="ko-KR" altLang="en-US"/>
+          </a:p>
+        </p:txBody>
+      </p:sp>
+      <p:sp>
+        <p:nvSpPr>
+          <p:cNvPr id="12" name="직사각형 11"/>
+          <p:cNvSpPr/>
+          <p:nvPr/>
+        </p:nvSpPr>
+        <p:spPr>
+          <a:xfrm>
+            <a:off x="5583377" y="1319344"/>
+            <a:ext cx="366758" cy="345654"/>
+          </a:xfrm>
+          <a:prstGeom prst="rect">
+            <a:avLst/>
+          </a:prstGeom>
+          <a:solidFill>
+            <a:srgbClr val="FF0000"/>
+          </a:solidFill>
+          <a:ln w="38100">
+            <a:solidFill>
+              <a:schemeClr val="tx1"/>
+            </a:solidFill>
+          </a:ln>
+        </p:spPr>
+        <p:style>
+          <a:lnRef idx="2">
+            <a:schemeClr val="accent1">
+              <a:shade val="50000"/>
+            </a:schemeClr>
+          </a:lnRef>
+          <a:fillRef idx="1">
+            <a:schemeClr val="accent1"/>
+          </a:fillRef>
+          <a:effectRef idx="0">
+            <a:schemeClr val="accent1"/>
+          </a:effectRef>
+          <a:fontRef idx="minor">
+            <a:schemeClr val="lt1"/>
+          </a:fontRef>
+        </p:style>
+        <p:txBody>
+          <a:bodyPr rtlCol="0" anchor="ctr"/>
+          <a:lstStyle/>
+          <a:p>
+            <a:pPr algn="ctr"/>
+            <a:endParaRPr lang="ko-KR" altLang="en-US"/>
+          </a:p>
+        </p:txBody>
+      </p:sp>
+      <p:sp>
+        <p:nvSpPr>
+          <p:cNvPr id="13" name="직사각형 12"/>
+          <p:cNvSpPr/>
+          <p:nvPr/>
+        </p:nvSpPr>
+        <p:spPr>
+          <a:xfrm>
+            <a:off x="6160152" y="3161216"/>
+            <a:ext cx="366758" cy="345654"/>
+          </a:xfrm>
+          <a:prstGeom prst="rect">
+            <a:avLst/>
+          </a:prstGeom>
+          <a:solidFill>
+            <a:schemeClr val="accent1"/>
+          </a:solidFill>
+          <a:ln w="38100">
+            <a:solidFill>
+              <a:schemeClr val="tx1"/>
+            </a:solidFill>
+          </a:ln>
+        </p:spPr>
+        <p:style>
+          <a:lnRef idx="2">
+            <a:schemeClr val="accent1">
+              <a:shade val="50000"/>
+            </a:schemeClr>
+          </a:lnRef>
+          <a:fillRef idx="1">
+            <a:schemeClr val="accent1"/>
+          </a:fillRef>
+          <a:effectRef idx="0">
+            <a:schemeClr val="accent1"/>
+          </a:effectRef>
+          <a:fontRef idx="minor">
+            <a:schemeClr val="lt1"/>
+          </a:fontRef>
+        </p:style>
+        <p:txBody>
+          <a:bodyPr rtlCol="0" anchor="ctr"/>
+          <a:lstStyle/>
+          <a:p>
+            <a:pPr algn="ctr"/>
+            <a:endParaRPr lang="ko-KR" altLang="en-US"/>
+          </a:p>
+        </p:txBody>
+      </p:sp>
+      <p:sp>
+        <p:nvSpPr>
+          <p:cNvPr id="14" name="직사각형 13"/>
+          <p:cNvSpPr/>
+          <p:nvPr/>
+        </p:nvSpPr>
+        <p:spPr>
+          <a:xfrm>
+            <a:off x="6920306" y="3161216"/>
+            <a:ext cx="366758" cy="345654"/>
+          </a:xfrm>
+          <a:prstGeom prst="rect">
+            <a:avLst/>
+          </a:prstGeom>
+          <a:solidFill>
+            <a:schemeClr val="accent1"/>
+          </a:solidFill>
+          <a:ln w="38100">
+            <a:solidFill>
+              <a:schemeClr val="tx1"/>
+            </a:solidFill>
+          </a:ln>
+        </p:spPr>
+        <p:style>
+          <a:lnRef idx="2">
+            <a:schemeClr val="accent1">
+              <a:shade val="50000"/>
+            </a:schemeClr>
+          </a:lnRef>
+          <a:fillRef idx="1">
+            <a:schemeClr val="accent1"/>
+          </a:fillRef>
+          <a:effectRef idx="0">
+            <a:schemeClr val="accent1"/>
+          </a:effectRef>
+          <a:fontRef idx="minor">
+            <a:schemeClr val="lt1"/>
+          </a:fontRef>
+        </p:style>
+        <p:txBody>
+          <a:bodyPr rtlCol="0" anchor="ctr"/>
+          <a:lstStyle/>
+          <a:p>
+            <a:pPr algn="ctr"/>
+            <a:endParaRPr lang="ko-KR" altLang="en-US"/>
+          </a:p>
+        </p:txBody>
+      </p:sp>
+      <p:sp>
+        <p:nvSpPr>
+          <p:cNvPr id="15" name="직사각형 14"/>
+          <p:cNvSpPr/>
+          <p:nvPr/>
+        </p:nvSpPr>
+        <p:spPr>
+          <a:xfrm>
+            <a:off x="7680460" y="3161216"/>
+            <a:ext cx="366758" cy="345654"/>
+          </a:xfrm>
+          <a:prstGeom prst="rect">
+            <a:avLst/>
+          </a:prstGeom>
+          <a:solidFill>
+            <a:schemeClr val="accent1"/>
+          </a:solidFill>
+          <a:ln w="38100">
+            <a:solidFill>
+              <a:schemeClr val="tx1"/>
+            </a:solidFill>
+          </a:ln>
+        </p:spPr>
+        <p:style>
+          <a:lnRef idx="2">
+            <a:schemeClr val="accent1">
+              <a:shade val="50000"/>
+            </a:schemeClr>
+          </a:lnRef>
+          <a:fillRef idx="1">
+            <a:schemeClr val="accent1"/>
+          </a:fillRef>
+          <a:effectRef idx="0">
+            <a:schemeClr val="accent1"/>
+          </a:effectRef>
+          <a:fontRef idx="minor">
+            <a:schemeClr val="lt1"/>
+          </a:fontRef>
+        </p:style>
+        <p:txBody>
+          <a:bodyPr rtlCol="0" anchor="ctr"/>
+          <a:lstStyle/>
+          <a:p>
+            <a:pPr algn="ctr"/>
+            <a:endParaRPr lang="ko-KR" altLang="en-US"/>
+          </a:p>
+        </p:txBody>
+      </p:sp>
+      <p:sp>
+        <p:nvSpPr>
+          <p:cNvPr id="16" name="직사각형 15"/>
+          <p:cNvSpPr/>
+          <p:nvPr/>
+        </p:nvSpPr>
+        <p:spPr>
+          <a:xfrm>
+            <a:off x="8283377" y="2620607"/>
+            <a:ext cx="366758" cy="345654"/>
+          </a:xfrm>
+          <a:prstGeom prst="rect">
+            <a:avLst/>
+          </a:prstGeom>
+          <a:solidFill>
+            <a:schemeClr val="accent1"/>
+          </a:solidFill>
+          <a:ln w="38100">
+            <a:solidFill>
+              <a:schemeClr val="tx1"/>
+            </a:solidFill>
+          </a:ln>
+        </p:spPr>
+        <p:style>
+          <a:lnRef idx="2">
+            <a:schemeClr val="accent1">
+              <a:shade val="50000"/>
+            </a:schemeClr>
+          </a:lnRef>
+          <a:fillRef idx="1">
+            <a:schemeClr val="accent1"/>
+          </a:fillRef>
+          <a:effectRef idx="0">
+            <a:schemeClr val="accent1"/>
+          </a:effectRef>
+          <a:fontRef idx="minor">
+            <a:schemeClr val="lt1"/>
+          </a:fontRef>
+        </p:style>
+        <p:txBody>
+          <a:bodyPr rtlCol="0" anchor="ctr"/>
+          <a:lstStyle/>
+          <a:p>
+            <a:pPr algn="ctr"/>
+            <a:endParaRPr lang="ko-KR" altLang="en-US"/>
+          </a:p>
+        </p:txBody>
+      </p:sp>
+      <p:sp>
+        <p:nvSpPr>
+          <p:cNvPr id="17" name="직사각형 16"/>
+          <p:cNvSpPr/>
+          <p:nvPr/>
+        </p:nvSpPr>
+        <p:spPr>
+          <a:xfrm>
+            <a:off x="8266566" y="1859955"/>
+            <a:ext cx="366758" cy="345654"/>
+          </a:xfrm>
+          <a:prstGeom prst="rect">
+            <a:avLst/>
+          </a:prstGeom>
+          <a:solidFill>
+            <a:schemeClr val="accent1"/>
+          </a:solidFill>
+          <a:ln w="38100">
+            <a:solidFill>
+              <a:schemeClr val="tx1"/>
+            </a:solidFill>
+          </a:ln>
+        </p:spPr>
+        <p:style>
+          <a:lnRef idx="2">
+            <a:schemeClr val="accent1">
+              <a:shade val="50000"/>
+            </a:schemeClr>
+          </a:lnRef>
+          <a:fillRef idx="1">
+            <a:schemeClr val="accent1"/>
+          </a:fillRef>
+          <a:effectRef idx="0">
+            <a:schemeClr val="accent1"/>
+          </a:effectRef>
+          <a:fontRef idx="minor">
+            <a:schemeClr val="lt1"/>
+          </a:fontRef>
+        </p:style>
+        <p:txBody>
+          <a:bodyPr rtlCol="0" anchor="ctr"/>
+          <a:lstStyle/>
+          <a:p>
+            <a:pPr algn="ctr"/>
+            <a:endParaRPr lang="ko-KR" altLang="en-US"/>
+          </a:p>
+        </p:txBody>
+      </p:sp>
+      <p:sp>
+        <p:nvSpPr>
+          <p:cNvPr id="18" name="직사각형 17"/>
+          <p:cNvSpPr/>
+          <p:nvPr/>
+        </p:nvSpPr>
+        <p:spPr>
+          <a:xfrm>
+            <a:off x="8264571" y="1122910"/>
+            <a:ext cx="366758" cy="345654"/>
+          </a:xfrm>
+          <a:prstGeom prst="rect">
+            <a:avLst/>
+          </a:prstGeom>
+          <a:solidFill>
+            <a:schemeClr val="accent1"/>
+          </a:solidFill>
+          <a:ln w="38100">
+            <a:solidFill>
+              <a:schemeClr val="tx1"/>
+            </a:solidFill>
+          </a:ln>
+        </p:spPr>
+        <p:style>
+          <a:lnRef idx="2">
+            <a:schemeClr val="accent1">
+              <a:shade val="50000"/>
+            </a:schemeClr>
+          </a:lnRef>
+          <a:fillRef idx="1">
+            <a:schemeClr val="accent1"/>
+          </a:fillRef>
+          <a:effectRef idx="0">
+            <a:schemeClr val="accent1"/>
+          </a:effectRef>
+          <a:fontRef idx="minor">
+            <a:schemeClr val="lt1"/>
+          </a:fontRef>
+        </p:style>
+        <p:txBody>
+          <a:bodyPr rtlCol="0" anchor="ctr"/>
+          <a:lstStyle/>
+          <a:p>
+            <a:pPr algn="ctr"/>
+            <a:endParaRPr lang="ko-KR" altLang="en-US"/>
+          </a:p>
+        </p:txBody>
+      </p:sp>
+      <p:sp>
+        <p:nvSpPr>
+          <p:cNvPr id="19" name="직사각형 18"/>
+          <p:cNvSpPr/>
+          <p:nvPr/>
+        </p:nvSpPr>
+        <p:spPr>
+          <a:xfrm>
+            <a:off x="7680460" y="558692"/>
+            <a:ext cx="366758" cy="345654"/>
+          </a:xfrm>
+          <a:prstGeom prst="rect">
+            <a:avLst/>
+          </a:prstGeom>
+          <a:solidFill>
+            <a:srgbClr val="FF0000"/>
+          </a:solidFill>
+          <a:ln w="38100">
+            <a:solidFill>
+              <a:schemeClr val="tx1"/>
+            </a:solidFill>
+          </a:ln>
+        </p:spPr>
+        <p:style>
+          <a:lnRef idx="2">
+            <a:schemeClr val="accent1">
+              <a:shade val="50000"/>
+            </a:schemeClr>
+          </a:lnRef>
+          <a:fillRef idx="1">
+            <a:schemeClr val="accent1"/>
+          </a:fillRef>
+          <a:effectRef idx="0">
+            <a:schemeClr val="accent1"/>
+          </a:effectRef>
+          <a:fontRef idx="minor">
+            <a:schemeClr val="lt1"/>
+          </a:fontRef>
+        </p:style>
+        <p:txBody>
+          <a:bodyPr rtlCol="0" anchor="ctr"/>
+          <a:lstStyle/>
+          <a:p>
+            <a:pPr algn="ctr"/>
+            <a:endParaRPr lang="ko-KR" altLang="en-US"/>
+          </a:p>
+        </p:txBody>
+      </p:sp>
+      <p:sp>
+        <p:nvSpPr>
+          <p:cNvPr id="20" name="직사각형 19"/>
+          <p:cNvSpPr/>
+          <p:nvPr/>
+        </p:nvSpPr>
+        <p:spPr>
+          <a:xfrm>
+            <a:off x="6851638" y="536567"/>
+            <a:ext cx="366758" cy="345654"/>
+          </a:xfrm>
+          <a:prstGeom prst="rect">
+            <a:avLst/>
+          </a:prstGeom>
+          <a:solidFill>
+            <a:schemeClr val="accent1"/>
+          </a:solidFill>
+          <a:ln w="38100">
+            <a:solidFill>
+              <a:schemeClr val="tx1"/>
+            </a:solidFill>
+          </a:ln>
+        </p:spPr>
+        <p:style>
+          <a:lnRef idx="2">
+            <a:schemeClr val="accent1">
+              <a:shade val="50000"/>
+            </a:schemeClr>
+          </a:lnRef>
+          <a:fillRef idx="1">
+            <a:schemeClr val="accent1"/>
+          </a:fillRef>
+          <a:effectRef idx="0">
+            <a:schemeClr val="accent1"/>
+          </a:effectRef>
+          <a:fontRef idx="minor">
+            <a:schemeClr val="lt1"/>
+          </a:fontRef>
+        </p:style>
+        <p:txBody>
+          <a:bodyPr rtlCol="0" anchor="ctr"/>
+          <a:lstStyle/>
+          <a:p>
+            <a:pPr algn="ctr"/>
+            <a:endParaRPr lang="ko-KR" altLang="en-US"/>
+          </a:p>
+        </p:txBody>
+      </p:sp>
+      <p:sp>
+        <p:nvSpPr>
+          <p:cNvPr id="21" name="직사각형 20"/>
+          <p:cNvSpPr/>
+          <p:nvPr/>
+        </p:nvSpPr>
+        <p:spPr>
+          <a:xfrm>
+            <a:off x="6173471" y="536568"/>
+            <a:ext cx="366758" cy="345654"/>
+          </a:xfrm>
+          <a:prstGeom prst="rect">
+            <a:avLst/>
+          </a:prstGeom>
+          <a:solidFill>
+            <a:schemeClr val="accent1"/>
+          </a:solidFill>
+          <a:ln w="38100">
+            <a:solidFill>
+              <a:schemeClr val="tx1"/>
+            </a:solidFill>
+          </a:ln>
+        </p:spPr>
+        <p:style>
+          <a:lnRef idx="2">
+            <a:schemeClr val="accent1">
+              <a:shade val="50000"/>
+            </a:schemeClr>
+          </a:lnRef>
+          <a:fillRef idx="1">
+            <a:schemeClr val="accent1"/>
+          </a:fillRef>
+          <a:effectRef idx="0">
+            <a:schemeClr val="accent1"/>
+          </a:effectRef>
+          <a:fontRef idx="minor">
+            <a:schemeClr val="lt1"/>
+          </a:fontRef>
+        </p:style>
+        <p:txBody>
+          <a:bodyPr rtlCol="0" anchor="ctr"/>
+          <a:lstStyle/>
+          <a:p>
+            <a:pPr algn="ctr"/>
+            <a:endParaRPr lang="ko-KR" altLang="en-US"/>
+          </a:p>
+        </p:txBody>
+      </p:sp>
+      <p:sp>
+        <p:nvSpPr>
+          <p:cNvPr id="25" name="직사각형 24"/>
+          <p:cNvSpPr/>
+          <p:nvPr/>
+        </p:nvSpPr>
+        <p:spPr>
+          <a:xfrm>
+            <a:off x="7807567" y="5562778"/>
+            <a:ext cx="366758" cy="345654"/>
+          </a:xfrm>
+          <a:prstGeom prst="rect">
+            <a:avLst/>
+          </a:prstGeom>
+          <a:solidFill>
+            <a:srgbClr val="FF0000"/>
+          </a:solidFill>
+          <a:ln w="38100">
+            <a:solidFill>
+              <a:schemeClr val="tx1"/>
+            </a:solidFill>
+          </a:ln>
+        </p:spPr>
+        <p:style>
+          <a:lnRef idx="2">
+            <a:schemeClr val="accent1">
+              <a:shade val="50000"/>
+            </a:schemeClr>
+          </a:lnRef>
+          <a:fillRef idx="1">
+            <a:schemeClr val="accent1"/>
+          </a:fillRef>
+          <a:effectRef idx="0">
+            <a:schemeClr val="accent1"/>
+          </a:effectRef>
+          <a:fontRef idx="minor">
+            <a:schemeClr val="lt1"/>
+          </a:fontRef>
+        </p:style>
+        <p:txBody>
+          <a:bodyPr rtlCol="0" anchor="ctr"/>
+          <a:lstStyle/>
+          <a:p>
+            <a:pPr algn="ctr"/>
+            <a:endParaRPr lang="ko-KR" altLang="en-US"/>
+          </a:p>
+        </p:txBody>
+      </p:sp>
+      <p:sp>
+        <p:nvSpPr>
+          <p:cNvPr id="26" name="TextBox 25"/>
+          <p:cNvSpPr txBox="1"/>
+          <p:nvPr/>
+        </p:nvSpPr>
+        <p:spPr>
+          <a:xfrm>
+            <a:off x="3812345" y="1492171"/>
+            <a:ext cx="787790" cy="369332"/>
+          </a:xfrm>
+          <a:prstGeom prst="rect">
+            <a:avLst/>
+          </a:prstGeom>
+          <a:noFill/>
+        </p:spPr>
+        <p:txBody>
+          <a:bodyPr wrap="square" rtlCol="0">
+            <a:spAutoFit/>
+          </a:bodyPr>
+          <a:lstStyle/>
+          <a:p>
+            <a:r>
+              <a:rPr lang="en-US" altLang="ko-KR" smtClean="0"/>
+              <a:t>3</a:t>
+            </a:r>
+            <a:r>
+              <a:rPr lang="ko-KR" altLang="en-US" dirty="0" smtClean="0"/>
+              <a:t>구역</a:t>
+            </a:r>
+            <a:endParaRPr lang="ko-KR" altLang="en-US" dirty="0"/>
+          </a:p>
+        </p:txBody>
+      </p:sp>
+      <p:sp>
+        <p:nvSpPr>
+          <p:cNvPr id="27" name="TextBox 26"/>
+          <p:cNvSpPr txBox="1"/>
+          <p:nvPr/>
+        </p:nvSpPr>
+        <p:spPr>
+          <a:xfrm>
+            <a:off x="6780301" y="1772917"/>
+            <a:ext cx="787790" cy="369332"/>
+          </a:xfrm>
+          <a:prstGeom prst="rect">
+            <a:avLst/>
+          </a:prstGeom>
+          <a:noFill/>
+        </p:spPr>
+        <p:txBody>
+          <a:bodyPr wrap="square" rtlCol="0">
+            <a:spAutoFit/>
+          </a:bodyPr>
+          <a:lstStyle/>
+          <a:p>
+            <a:r>
+              <a:rPr lang="en-US" altLang="ko-KR" dirty="0" smtClean="0"/>
+              <a:t>4</a:t>
+            </a:r>
+            <a:r>
+              <a:rPr lang="ko-KR" altLang="en-US" dirty="0" smtClean="0"/>
+              <a:t>구역</a:t>
+            </a:r>
+            <a:endParaRPr lang="ko-KR" altLang="en-US" dirty="0"/>
+          </a:p>
+        </p:txBody>
+      </p:sp>
+      <p:sp>
+        <p:nvSpPr>
+          <p:cNvPr id="28" name="TextBox 27"/>
+          <p:cNvSpPr txBox="1"/>
+          <p:nvPr/>
+        </p:nvSpPr>
+        <p:spPr>
+          <a:xfrm>
+            <a:off x="6675257" y="4526562"/>
+            <a:ext cx="787790" cy="369332"/>
+          </a:xfrm>
+          <a:prstGeom prst="rect">
+            <a:avLst/>
+          </a:prstGeom>
+          <a:noFill/>
+        </p:spPr>
+        <p:txBody>
+          <a:bodyPr wrap="square" rtlCol="0">
+            <a:spAutoFit/>
+          </a:bodyPr>
+          <a:lstStyle/>
+          <a:p>
+            <a:r>
+              <a:rPr lang="en-US" altLang="ko-KR" dirty="0" smtClean="0"/>
+              <a:t>5</a:t>
+            </a:r>
+            <a:r>
+              <a:rPr lang="ko-KR" altLang="en-US" dirty="0" smtClean="0"/>
+              <a:t>구역</a:t>
+            </a:r>
+            <a:endParaRPr lang="ko-KR" altLang="en-US" dirty="0"/>
+          </a:p>
+        </p:txBody>
+      </p:sp>
+    </p:spTree>
+    <p:extLst>
+      <p:ext uri="{BB962C8B-B14F-4D97-AF65-F5344CB8AC3E}">
+        <p14:creationId xmlns:p14="http://schemas.microsoft.com/office/powerpoint/2010/main" val="2514104594"/>
+      </p:ext>
+    </p:extLst>
+  </p:cSld>
+  <p:clrMapOvr>
+    <a:masterClrMapping/>
+  </p:clrMapOvr>
+</p:sld>
+</file>
+
+<file path=ppt/slides/slide11.xml><?xml version="1.0" encoding="utf-8"?>
+<p:sld xmlns:a="http://schemas.openxmlformats.org/drawingml/2006/main" xmlns:r="http://schemas.openxmlformats.org/officeDocument/2006/relationships" xmlns:p="http://schemas.openxmlformats.org/presentationml/2006/main">
+  <p:cSld>
+    <p:spTree>
+      <p:nvGrpSpPr>
+        <p:cNvPr id="1" name=""/>
+        <p:cNvGrpSpPr/>
+        <p:nvPr/>
+      </p:nvGrpSpPr>
+      <p:grpSpPr>
+        <a:xfrm>
+          <a:off x="0" y="0"/>
+          <a:ext cx="0" cy="0"/>
+          <a:chOff x="0" y="0"/>
+          <a:chExt cx="0" cy="0"/>
+        </a:xfrm>
+      </p:grpSpPr>
+      <p:sp>
+        <p:nvSpPr>
+          <p:cNvPr id="7" name="직사각형 6"/>
+          <p:cNvSpPr/>
+          <p:nvPr/>
+        </p:nvSpPr>
+        <p:spPr>
+          <a:xfrm>
+            <a:off x="2053880" y="1685102"/>
+            <a:ext cx="7256783" cy="3632485"/>
+          </a:xfrm>
+          <a:prstGeom prst="rect">
+            <a:avLst/>
+          </a:prstGeom>
+          <a:solidFill>
+            <a:schemeClr val="bg1"/>
+          </a:solidFill>
+          <a:ln w="38100">
+            <a:solidFill>
+              <a:schemeClr val="tx1"/>
+            </a:solidFill>
+          </a:ln>
+        </p:spPr>
+        <p:style>
+          <a:lnRef idx="2">
+            <a:schemeClr val="accent1">
+              <a:shade val="50000"/>
+            </a:schemeClr>
+          </a:lnRef>
+          <a:fillRef idx="1">
+            <a:schemeClr val="accent1"/>
+          </a:fillRef>
+          <a:effectRef idx="0">
+            <a:schemeClr val="accent1"/>
+          </a:effectRef>
+          <a:fontRef idx="minor">
+            <a:schemeClr val="lt1"/>
+          </a:fontRef>
+        </p:style>
+        <p:txBody>
+          <a:bodyPr rtlCol="0" anchor="ctr"/>
+          <a:lstStyle/>
+          <a:p>
+            <a:pPr algn="ctr"/>
+            <a:r>
+              <a:rPr lang="en-US" altLang="ko-KR" dirty="0" smtClean="0">
+                <a:solidFill>
+                  <a:schemeClr val="tx1"/>
+                </a:solidFill>
+              </a:rPr>
+              <a:t>1</a:t>
+            </a:r>
+            <a:r>
+              <a:rPr lang="ko-KR" altLang="en-US" dirty="0" smtClean="0">
+                <a:solidFill>
+                  <a:schemeClr val="tx1"/>
+                </a:solidFill>
+              </a:rPr>
+              <a:t>구역</a:t>
+            </a:r>
+            <a:endParaRPr lang="ko-KR" altLang="en-US" dirty="0">
+              <a:solidFill>
+                <a:schemeClr val="tx1"/>
+              </a:solidFill>
+            </a:endParaRPr>
+          </a:p>
+        </p:txBody>
+      </p:sp>
+    </p:spTree>
+    <p:extLst>
+      <p:ext uri="{BB962C8B-B14F-4D97-AF65-F5344CB8AC3E}">
+        <p14:creationId xmlns:p14="http://schemas.microsoft.com/office/powerpoint/2010/main" val="3907727952"/>
+      </p:ext>
+    </p:extLst>
+  </p:cSld>
+  <p:clrMapOvr>
+    <a:masterClrMapping/>
+  </p:clrMapOvr>
+</p:sld>
+</file>
+
 <file path=ppt/slides/slide2.xml><?xml version="1.0" encoding="utf-8"?>
 <p:sld xmlns:a="http://schemas.openxmlformats.org/drawingml/2006/main" xmlns:r="http://schemas.openxmlformats.org/officeDocument/2006/relationships" xmlns:p="http://schemas.openxmlformats.org/presentationml/2006/main">
   <p:cSld>
@@ -3438,11 +4586,7 @@
             </a:r>
             <a:r>
               <a:rPr lang="ko-KR" altLang="en-US" dirty="0" smtClean="0"/>
-              <a:t> </a:t>
-            </a:r>
-            <a:r>
-              <a:rPr lang="ko-KR" altLang="en-US" dirty="0" smtClean="0"/>
-              <a:t>구역 </a:t>
+              <a:t> 구역 </a:t>
             </a:r>
             <a:r>
               <a:rPr lang="en-US" altLang="ko-KR" dirty="0" smtClean="0"/>
@@ -3534,11 +4678,7 @@
             </a:r>
             <a:r>
               <a:rPr lang="en-US" altLang="ko-KR" sz="2400" dirty="0" smtClean="0"/>
-              <a:t>- </a:t>
-            </a:r>
-            <a:r>
-              <a:rPr lang="en-US" altLang="ko-KR" sz="2400" dirty="0" smtClean="0"/>
-              <a:t>3</a:t>
+              <a:t>- 3</a:t>
             </a:r>
             <a:r>
               <a:rPr lang="ko-KR" altLang="en-US" sz="2400" dirty="0" smtClean="0"/>
@@ -3565,11 +4705,7 @@
             </a:r>
             <a:r>
               <a:rPr lang="ko-KR" altLang="en-US" sz="2400" dirty="0" smtClean="0"/>
-              <a:t>숲</a:t>
-            </a:r>
-            <a:r>
-              <a:rPr lang="ko-KR" altLang="en-US" sz="2400" dirty="0" smtClean="0"/>
-              <a:t> 입구</a:t>
+              <a:t>숲 입구</a:t>
             </a:r>
             <a:endParaRPr lang="en-US" altLang="ko-KR" sz="2400" dirty="0" smtClean="0"/>
           </a:p>
@@ -3778,11 +4914,7 @@
           <a:p>
             <a:r>
               <a:rPr lang="ko-KR" altLang="en-US" sz="2400" dirty="0" smtClean="0"/>
-              <a:t>퀘스트 </a:t>
-            </a:r>
-            <a:r>
-              <a:rPr lang="ko-KR" altLang="en-US" sz="2400" dirty="0" smtClean="0"/>
-              <a:t>목표 </a:t>
+              <a:t>퀘스트 목표 </a:t>
             </a:r>
             <a:r>
               <a:rPr lang="en-US" altLang="ko-KR" sz="2400" dirty="0" smtClean="0"/>
@@ -3807,15 +4939,7 @@
             </a:r>
             <a:r>
               <a:rPr lang="ko-KR" altLang="en-US" sz="2000" dirty="0" smtClean="0"/>
-              <a:t>시간 </a:t>
-            </a:r>
-            <a:r>
-              <a:rPr lang="ko-KR" altLang="en-US" sz="2000" dirty="0" smtClean="0"/>
-              <a:t>회귀 </a:t>
-            </a:r>
-            <a:r>
-              <a:rPr lang="ko-KR" altLang="en-US" sz="2000" dirty="0" smtClean="0"/>
-              <a:t>마법으로 길을 막는 장애물 제거</a:t>
+              <a:t>시간 회귀 마법으로 길을 막는 장애물 제거</a:t>
             </a:r>
             <a:endParaRPr lang="en-US" altLang="ko-KR" sz="2000" dirty="0" smtClean="0"/>
           </a:p>
@@ -3953,11 +5077,7 @@
           <a:p>
             <a:r>
               <a:rPr lang="ko-KR" altLang="en-US" sz="2400" dirty="0" smtClean="0"/>
-              <a:t>퀘스트 </a:t>
-            </a:r>
-            <a:r>
-              <a:rPr lang="ko-KR" altLang="en-US" sz="2400" dirty="0" smtClean="0"/>
-              <a:t>목표 </a:t>
+              <a:t>퀘스트 목표 </a:t>
             </a:r>
             <a:r>
               <a:rPr lang="en-US" altLang="ko-KR" sz="2400" dirty="0" smtClean="0"/>
@@ -4078,11 +5198,7 @@
           <a:p>
             <a:r>
               <a:rPr lang="ko-KR" altLang="en-US" sz="2400" dirty="0" smtClean="0"/>
-              <a:t>퀘스트 </a:t>
-            </a:r>
-            <a:r>
-              <a:rPr lang="ko-KR" altLang="en-US" sz="2400" dirty="0" smtClean="0"/>
-              <a:t>목표 </a:t>
+              <a:t>퀘스트 목표 </a:t>
             </a:r>
             <a:r>
               <a:rPr lang="en-US" altLang="ko-KR" sz="2400" dirty="0" smtClean="0"/>
@@ -4090,11 +5206,7 @@
             </a:r>
             <a:r>
               <a:rPr lang="ko-KR" altLang="en-US" sz="2400" dirty="0" smtClean="0"/>
-              <a:t>올바른 </a:t>
-            </a:r>
-            <a:r>
-              <a:rPr lang="ko-KR" altLang="en-US" sz="2400" dirty="0" smtClean="0"/>
-              <a:t>입구 탐색</a:t>
+              <a:t>올바른 입구 탐색</a:t>
             </a:r>
             <a:r>
               <a:rPr lang="en-US" altLang="ko-KR" sz="2400" dirty="0"/>
@@ -4228,11 +5340,7 @@
           <a:p>
             <a:r>
               <a:rPr lang="ko-KR" altLang="en-US" sz="2400" dirty="0" smtClean="0"/>
-              <a:t>퀘스트 </a:t>
-            </a:r>
-            <a:r>
-              <a:rPr lang="ko-KR" altLang="en-US" sz="2400" dirty="0" smtClean="0"/>
-              <a:t>목표 </a:t>
+              <a:t>퀘스트 목표 </a:t>
             </a:r>
             <a:r>
               <a:rPr lang="en-US" altLang="ko-KR" sz="2400" dirty="0" smtClean="0"/>

--- a/시간의 마녀_데모맵 기획.pptx
+++ b/시간의 마녀_데모맵 기획.pptx
@@ -4109,76 +4109,79 @@
       </p:grpSpPr>
       <p:sp>
         <p:nvSpPr>
-          <p:cNvPr id="7" name="직사각형 6"/>
-          <p:cNvSpPr/>
-          <p:nvPr/>
-        </p:nvSpPr>
-        <p:spPr>
-          <a:xfrm>
-            <a:off x="2053880" y="1685102"/>
-            <a:ext cx="7256783" cy="3632485"/>
-          </a:xfrm>
-          <a:prstGeom prst="rect">
-            <a:avLst/>
-          </a:prstGeom>
-          <a:solidFill>
-            <a:schemeClr val="bg1"/>
-          </a:solidFill>
-          <a:ln w="38100">
-            <a:solidFill>
-              <a:schemeClr val="tx1"/>
-            </a:solidFill>
-          </a:ln>
-        </p:spPr>
-        <p:style>
-          <a:lnRef idx="2">
-            <a:schemeClr val="accent1">
-              <a:shade val="50000"/>
-            </a:schemeClr>
-          </a:lnRef>
-          <a:fillRef idx="1">
-            <a:schemeClr val="accent1"/>
-          </a:fillRef>
-          <a:effectRef idx="0">
-            <a:schemeClr val="accent1"/>
-          </a:effectRef>
-          <a:fontRef idx="minor">
-            <a:schemeClr val="lt1"/>
-          </a:fontRef>
-        </p:style>
-        <p:txBody>
-          <a:bodyPr rtlCol="0" anchor="ctr"/>
-          <a:lstStyle/>
-          <a:p>
-            <a:pPr algn="ctr"/>
-            <a:r>
-              <a:rPr lang="en-US" altLang="ko-KR" dirty="0" smtClean="0">
-                <a:solidFill>
-                  <a:schemeClr val="tx1"/>
-                </a:solidFill>
-              </a:rPr>
-              <a:t>1</a:t>
-            </a:r>
-            <a:r>
-              <a:rPr lang="ko-KR" altLang="en-US" dirty="0" smtClean="0">
-                <a:solidFill>
-                  <a:schemeClr val="tx1"/>
-                </a:solidFill>
-              </a:rPr>
-              <a:t>구역</a:t>
-            </a:r>
-            <a:endParaRPr lang="ko-KR" altLang="en-US" dirty="0">
-              <a:solidFill>
-                <a:schemeClr val="tx1"/>
-              </a:solidFill>
-            </a:endParaRPr>
+          <p:cNvPr id="2" name="제목 1"/>
+          <p:cNvSpPr>
+            <a:spLocks noGrp="1"/>
+          </p:cNvSpPr>
+          <p:nvPr>
+            <p:ph type="title"/>
+          </p:nvPr>
+        </p:nvSpPr>
+        <p:spPr/>
+        <p:txBody>
+          <a:bodyPr/>
+          <a:lstStyle/>
+          <a:p>
+            <a:r>
+              <a:rPr lang="ko-KR" altLang="en-US" dirty="0"/>
+              <a:t>해야 될 </a:t>
+            </a:r>
+            <a:r>
+              <a:rPr lang="ko-KR" altLang="en-US" dirty="0" smtClean="0"/>
+              <a:t>것</a:t>
+            </a:r>
+            <a:endParaRPr lang="ko-KR" altLang="en-US" dirty="0"/>
+          </a:p>
+        </p:txBody>
+      </p:sp>
+      <p:sp>
+        <p:nvSpPr>
+          <p:cNvPr id="3" name="내용 개체 틀 2"/>
+          <p:cNvSpPr>
+            <a:spLocks noGrp="1"/>
+          </p:cNvSpPr>
+          <p:nvPr>
+            <p:ph idx="1"/>
+          </p:nvPr>
+        </p:nvSpPr>
+        <p:spPr/>
+        <p:txBody>
+          <a:bodyPr/>
+          <a:lstStyle/>
+          <a:p>
+            <a:r>
+              <a:rPr lang="ko-KR" altLang="en-US" dirty="0" smtClean="0"/>
+              <a:t>상호작용 커맨드 추가</a:t>
+            </a:r>
+            <a:endParaRPr lang="en-US" altLang="ko-KR" dirty="0" smtClean="0"/>
+          </a:p>
+          <a:p>
+            <a:r>
+              <a:rPr lang="ko-KR" altLang="en-US" dirty="0" smtClean="0"/>
+              <a:t>텍스트 커맨드 추가</a:t>
+            </a:r>
+            <a:endParaRPr lang="en-US" altLang="ko-KR" dirty="0" smtClean="0"/>
+          </a:p>
+          <a:p>
+            <a:r>
+              <a:rPr lang="ko-KR" altLang="en-US" dirty="0" smtClean="0"/>
+              <a:t>데미지 커맨드 추가</a:t>
+            </a:r>
+            <a:endParaRPr lang="en-US" altLang="ko-KR" dirty="0" smtClean="0"/>
+          </a:p>
+          <a:p>
+            <a:r>
+              <a:rPr lang="ko-KR" altLang="en-US" dirty="0" smtClean="0"/>
+              <a:t>게임 종료 커맨드 추가</a:t>
+            </a:r>
+            <a:endParaRPr lang="ko-KR" altLang="en-US" dirty="0"/>
           </a:p>
         </p:txBody>
       </p:sp>
     </p:spTree>
     <p:extLst>
       <p:ext uri="{BB962C8B-B14F-4D97-AF65-F5344CB8AC3E}">
-        <p14:creationId xmlns:p14="http://schemas.microsoft.com/office/powerpoint/2010/main" val="3907727952"/>
+        <p14:creationId xmlns:p14="http://schemas.microsoft.com/office/powerpoint/2010/main" val="4174226033"/>
       </p:ext>
     </p:extLst>
   </p:cSld>
@@ -4705,7 +4708,11 @@
             </a:r>
             <a:r>
               <a:rPr lang="ko-KR" altLang="en-US" sz="2400" dirty="0" smtClean="0"/>
-              <a:t>숲 입구</a:t>
+              <a:t>튜토리</a:t>
+            </a:r>
+            <a:r>
+              <a:rPr lang="ko-KR" altLang="en-US" sz="2400" dirty="0" smtClean="0"/>
+              <a:t>얼</a:t>
             </a:r>
             <a:endParaRPr lang="en-US" altLang="ko-KR" sz="2400" dirty="0" smtClean="0"/>
           </a:p>
@@ -4909,6 +4916,18 @@
               <a:rPr lang="ko-KR" altLang="en-US" sz="2400" dirty="0" smtClean="0"/>
               <a:t>숲</a:t>
             </a:r>
+            <a:r>
+              <a:rPr lang="en-US" altLang="ko-KR" sz="2400" dirty="0" smtClean="0"/>
+              <a:t>, </a:t>
+            </a:r>
+            <a:r>
+              <a:rPr lang="ko-KR" altLang="en-US" sz="2400" dirty="0" smtClean="0"/>
+              <a:t>시간 마</a:t>
+            </a:r>
+            <a:r>
+              <a:rPr lang="ko-KR" altLang="en-US" sz="2400" dirty="0" smtClean="0"/>
+              <a:t>법</a:t>
+            </a:r>
             <a:endParaRPr lang="en-US" altLang="ko-KR" sz="2400" dirty="0" smtClean="0"/>
           </a:p>
           <a:p>
@@ -5072,9 +5091,22 @@
               <a:rPr lang="ko-KR" altLang="en-US" sz="2400" dirty="0" smtClean="0"/>
               <a:t>숲</a:t>
             </a:r>
+            <a:r>
+              <a:rPr lang="en-US" altLang="ko-KR" sz="2400" dirty="0" smtClean="0"/>
+              <a:t>, </a:t>
+            </a:r>
+            <a:r>
+              <a:rPr lang="ko-KR" altLang="en-US" sz="2400" dirty="0" smtClean="0"/>
+              <a:t>몬스터 사</a:t>
+            </a:r>
+            <a:r>
+              <a:rPr lang="ko-KR" altLang="en-US" sz="2400" dirty="0" smtClean="0"/>
+              <a:t>냥</a:t>
+            </a:r>
             <a:endParaRPr lang="en-US" altLang="ko-KR" sz="2400" dirty="0" smtClean="0"/>
           </a:p>
           <a:p>
+            <a:pPr lvl="0"/>
             <a:r>
               <a:rPr lang="ko-KR" altLang="en-US" sz="2400" dirty="0" smtClean="0"/>
               <a:t>퀘스트 목표 </a:t>
@@ -5085,9 +5117,71 @@
             </a:r>
             <a:r>
               <a:rPr lang="ko-KR" altLang="en-US" sz="2400" dirty="0" smtClean="0"/>
-              <a:t>기본 조작 숙달</a:t>
+              <a:t>몬스터 사</a:t>
+            </a:r>
+            <a:r>
+              <a:rPr lang="ko-KR" altLang="en-US" sz="2400" dirty="0" smtClean="0"/>
+              <a:t>냥</a:t>
             </a:r>
             <a:endParaRPr lang="en-US" altLang="ko-KR" sz="2400" dirty="0" smtClean="0"/>
+          </a:p>
+          <a:p>
+            <a:pPr lvl="0"/>
+            <a:endParaRPr lang="en-US" altLang="ko-KR" sz="2400" dirty="0">
+              <a:solidFill>
+                <a:prstClr val="black"/>
+              </a:solidFill>
+            </a:endParaRPr>
+          </a:p>
+          <a:p>
+            <a:pPr marL="0" lvl="0" indent="0">
+              <a:buNone/>
+            </a:pPr>
+            <a:r>
+              <a:rPr lang="en-US" altLang="ko-KR" sz="2000" dirty="0">
+                <a:solidFill>
+                  <a:prstClr val="black"/>
+                </a:solidFill>
+              </a:rPr>
+              <a:t>1</a:t>
+            </a:r>
+            <a:r>
+              <a:rPr lang="en-US" altLang="ko-KR" sz="2000" dirty="0" smtClean="0">
+                <a:solidFill>
+                  <a:prstClr val="black"/>
+                </a:solidFill>
+              </a:rPr>
+              <a:t>. </a:t>
+            </a:r>
+            <a:r>
+              <a:rPr lang="ko-KR" altLang="en-US" sz="2000" dirty="0" smtClean="0">
+                <a:solidFill>
+                  <a:prstClr val="black"/>
+                </a:solidFill>
+              </a:rPr>
+              <a:t>몬스터 </a:t>
+            </a:r>
+            <a:r>
+              <a:rPr lang="en-US" altLang="ko-KR" sz="2000" dirty="0" smtClean="0">
+                <a:solidFill>
+                  <a:prstClr val="black"/>
+                </a:solidFill>
+              </a:rPr>
+              <a:t>3</a:t>
+            </a:r>
+            <a:r>
+              <a:rPr lang="ko-KR" altLang="en-US" sz="2000" dirty="0" smtClean="0">
+                <a:solidFill>
+                  <a:prstClr val="black"/>
+                </a:solidFill>
+              </a:rPr>
+              <a:t>마리 처치</a:t>
+            </a:r>
+            <a:endParaRPr lang="en-US" altLang="ko-KR" sz="2000" dirty="0">
+              <a:solidFill>
+                <a:prstClr val="black"/>
+              </a:solidFill>
+            </a:endParaRPr>
           </a:p>
           <a:p>
             <a:endParaRPr lang="en-US" altLang="ko-KR" dirty="0" smtClean="0"/>
@@ -5191,7 +5285,19 @@
             </a:r>
             <a:r>
               <a:rPr lang="ko-KR" altLang="en-US" sz="2400" dirty="0" smtClean="0"/>
-              <a:t>던전 입구</a:t>
+              <a:t>던전 </a:t>
+            </a:r>
+            <a:r>
+              <a:rPr lang="ko-KR" altLang="en-US" sz="2400" dirty="0" smtClean="0"/>
+              <a:t>입구</a:t>
+            </a:r>
+            <a:r>
+              <a:rPr lang="en-US" altLang="ko-KR" sz="2400" dirty="0" smtClean="0"/>
+              <a:t>, </a:t>
+            </a:r>
+            <a:r>
+              <a:rPr lang="ko-KR" altLang="en-US" sz="2400" dirty="0" smtClean="0"/>
+              <a:t>텔레포트</a:t>
             </a:r>
             <a:endParaRPr lang="en-US" altLang="ko-KR" sz="2400" dirty="0" smtClean="0"/>
           </a:p>
@@ -5206,15 +5312,11 @@
             </a:r>
             <a:r>
               <a:rPr lang="ko-KR" altLang="en-US" sz="2400" dirty="0" smtClean="0"/>
-              <a:t>올바른 입구 탐색</a:t>
-            </a:r>
-            <a:r>
-              <a:rPr lang="en-US" altLang="ko-KR" sz="2400" dirty="0"/>
-              <a:t> </a:t>
+              <a:t>올바른 </a:t>
             </a:r>
             <a:r>
               <a:rPr lang="ko-KR" altLang="en-US" sz="2400" dirty="0" smtClean="0"/>
-              <a:t>후 입장</a:t>
+              <a:t>입구 찾기</a:t>
             </a:r>
             <a:endParaRPr lang="en-US" altLang="ko-KR" sz="2400" dirty="0" smtClean="0"/>
           </a:p>
@@ -5227,8 +5329,19 @@
             </a:pPr>
             <a:r>
               <a:rPr lang="en-US" altLang="ko-KR" sz="2000" dirty="0" smtClean="0"/>
-              <a:t>1.</a:t>
-            </a:r>
+              <a:t>1. </a:t>
+            </a:r>
+            <a:r>
+              <a:rPr lang="ko-KR" altLang="en-US" sz="2000" dirty="0" smtClean="0"/>
+              <a:t>다음 구역으로 넘어갈 텔레포트 블록 찾기</a:t>
+            </a:r>
+            <a:endParaRPr lang="en-US" altLang="ko-KR" sz="2000" dirty="0" smtClean="0"/>
+          </a:p>
+          <a:p>
+            <a:pPr marL="0" indent="0">
+              <a:buNone/>
+            </a:pPr>
+            <a:endParaRPr lang="en-US" altLang="ko-KR" sz="2000" dirty="0" smtClean="0"/>
           </a:p>
         </p:txBody>
       </p:sp>
@@ -5333,7 +5446,19 @@
             </a:r>
             <a:r>
               <a:rPr lang="ko-KR" altLang="en-US" sz="2400" dirty="0" smtClean="0"/>
-              <a:t>던전 끝</a:t>
+              <a:t>던전 </a:t>
+            </a:r>
+            <a:r>
+              <a:rPr lang="ko-KR" altLang="en-US" sz="2400" dirty="0" smtClean="0"/>
+              <a:t>끝</a:t>
+            </a:r>
+            <a:r>
+              <a:rPr lang="en-US" altLang="ko-KR" sz="2400" dirty="0" smtClean="0"/>
+              <a:t>, </a:t>
+            </a:r>
+            <a:r>
+              <a:rPr lang="ko-KR" altLang="en-US" sz="2400" dirty="0" smtClean="0"/>
+              <a:t>종합</a:t>
             </a:r>
             <a:endParaRPr lang="en-US" altLang="ko-KR" sz="2400" dirty="0" smtClean="0"/>
           </a:p>
@@ -5350,7 +5475,49 @@
               <a:rPr lang="ko-KR" altLang="en-US" sz="2400" dirty="0" smtClean="0"/>
               <a:t>던전 끝까지 도달</a:t>
             </a:r>
-            <a:endParaRPr lang="en-US" altLang="ko-KR" dirty="0" smtClean="0"/>
+            <a:endParaRPr lang="en-US" altLang="ko-KR" sz="2400" dirty="0" smtClean="0"/>
+          </a:p>
+          <a:p>
+            <a:pPr lvl="0"/>
+            <a:endParaRPr lang="en-US" altLang="ko-KR" sz="2400" dirty="0">
+              <a:solidFill>
+                <a:prstClr val="black"/>
+              </a:solidFill>
+            </a:endParaRPr>
+          </a:p>
+          <a:p>
+            <a:pPr marL="0" lvl="0" indent="0">
+              <a:buNone/>
+            </a:pPr>
+            <a:r>
+              <a:rPr lang="en-US" altLang="ko-KR" sz="2000" dirty="0">
+                <a:solidFill>
+                  <a:prstClr val="black"/>
+                </a:solidFill>
+              </a:rPr>
+              <a:t>1</a:t>
+            </a:r>
+            <a:r>
+              <a:rPr lang="en-US" altLang="ko-KR" sz="2000" dirty="0" smtClean="0">
+                <a:solidFill>
+                  <a:prstClr val="black"/>
+                </a:solidFill>
+              </a:rPr>
+              <a:t>. </a:t>
+            </a:r>
+            <a:r>
+              <a:rPr lang="ko-KR" altLang="en-US" sz="2000" dirty="0" smtClean="0">
+                <a:solidFill>
+                  <a:prstClr val="black"/>
+                </a:solidFill>
+              </a:rPr>
+              <a:t>여행의 목표인 트로피 획득</a:t>
+            </a:r>
+            <a:endParaRPr lang="en-US" altLang="ko-KR" sz="2000" dirty="0">
+              <a:solidFill>
+                <a:prstClr val="black"/>
+              </a:solidFill>
+            </a:endParaRPr>
           </a:p>
         </p:txBody>
       </p:sp>
